--- a/slides/ng-bootcamp-day-3.pptx
+++ b/slides/ng-bootcamp-day-3.pptx
@@ -13,22 +13,22 @@
     <p:sldId id="302" r:id="rId4"/>
     <p:sldId id="257" r:id="rId5"/>
     <p:sldId id="320" r:id="rId6"/>
-    <p:sldId id="324" r:id="rId7"/>
-    <p:sldId id="292" r:id="rId8"/>
-    <p:sldId id="293" r:id="rId9"/>
-    <p:sldId id="295" r:id="rId10"/>
-    <p:sldId id="280" r:id="rId11"/>
-    <p:sldId id="296" r:id="rId12"/>
-    <p:sldId id="298" r:id="rId13"/>
-    <p:sldId id="294" r:id="rId14"/>
-    <p:sldId id="268" r:id="rId15"/>
-    <p:sldId id="282" r:id="rId16"/>
-    <p:sldId id="299" r:id="rId17"/>
-    <p:sldId id="300" r:id="rId18"/>
-    <p:sldId id="301" r:id="rId19"/>
-    <p:sldId id="303" r:id="rId20"/>
-    <p:sldId id="309" r:id="rId21"/>
-    <p:sldId id="304" r:id="rId22"/>
+    <p:sldId id="292" r:id="rId7"/>
+    <p:sldId id="293" r:id="rId8"/>
+    <p:sldId id="295" r:id="rId9"/>
+    <p:sldId id="280" r:id="rId10"/>
+    <p:sldId id="296" r:id="rId11"/>
+    <p:sldId id="298" r:id="rId12"/>
+    <p:sldId id="294" r:id="rId13"/>
+    <p:sldId id="268" r:id="rId14"/>
+    <p:sldId id="282" r:id="rId15"/>
+    <p:sldId id="299" r:id="rId16"/>
+    <p:sldId id="300" r:id="rId17"/>
+    <p:sldId id="301" r:id="rId18"/>
+    <p:sldId id="303" r:id="rId19"/>
+    <p:sldId id="309" r:id="rId20"/>
+    <p:sldId id="304" r:id="rId21"/>
+    <p:sldId id="324" r:id="rId22"/>
     <p:sldId id="305" r:id="rId23"/>
     <p:sldId id="306" r:id="rId24"/>
     <p:sldId id="307" r:id="rId25"/>
@@ -5699,12 +5699,14 @@
         </p:nvSpPr>
         <p:spPr/>
         <p:txBody>
-          <a:bodyPr/>
+          <a:bodyPr>
+            <a:normAutofit fontScale="90000"/>
+          </a:bodyPr>
           <a:lstStyle/>
           <a:p>
             <a:r>
               <a:rPr lang="en-US" dirty="0" smtClean="0"/>
-              <a:t>Modules</a:t>
+              <a:t>Creating/Retrieving Modules</a:t>
             </a:r>
             <a:endParaRPr lang="en-US" dirty="0"/>
           </a:p>
@@ -5722,54 +5724,358 @@
         </p:nvSpPr>
         <p:spPr/>
         <p:txBody>
-          <a:bodyPr>
-            <a:normAutofit/>
-          </a:bodyPr>
+          <a:bodyPr/>
           <a:lstStyle/>
           <a:p>
             <a:r>
-              <a:rPr lang="en-US" dirty="0" smtClean="0"/>
-              <a:t>Containers for related application functionality</a:t>
-            </a:r>
-          </a:p>
-          <a:p>
-            <a:pPr lvl="1"/>
-            <a:r>
-              <a:rPr lang="en-US" dirty="0" smtClean="0"/>
-              <a:t>Should be able to package a module and ship independently of other components</a:t>
-            </a:r>
-          </a:p>
-          <a:p>
-            <a:r>
-              <a:rPr lang="en-US" dirty="0" smtClean="0"/>
-              <a:t>Expose functions for registering controllers, directives, services, constants, values</a:t>
-            </a:r>
-          </a:p>
-          <a:p>
-            <a:r>
-              <a:rPr lang="en-US" dirty="0" smtClean="0"/>
-              <a:t>Can require other modules as dependencies</a:t>
-            </a:r>
+              <a:rPr lang="en-US" dirty="0"/>
+              <a:t>Defining a new module:</a:t>
+            </a:r>
+          </a:p>
+          <a:p>
+            <a:pPr marL="349250" lvl="1" indent="0">
+              <a:buNone/>
+            </a:pPr>
+            <a:r>
+              <a:rPr lang="en-US" dirty="0" err="1">
+                <a:solidFill>
+                  <a:srgbClr val="66D9EF"/>
+                </a:solidFill>
+                <a:latin typeface="Menlo"/>
+              </a:rPr>
+              <a:t>var</a:t>
+            </a:r>
+            <a:r>
+              <a:rPr lang="en-US" dirty="0">
+                <a:solidFill>
+                  <a:srgbClr val="F8F8F2"/>
+                </a:solidFill>
+                <a:latin typeface="Menlo"/>
+              </a:rPr>
+              <a:t> </a:t>
+            </a:r>
+            <a:r>
+              <a:rPr lang="en-US" dirty="0" err="1">
+                <a:solidFill>
+                  <a:srgbClr val="A6E22E"/>
+                </a:solidFill>
+                <a:latin typeface="Menlo"/>
+              </a:rPr>
+              <a:t>myModule</a:t>
+            </a:r>
+            <a:r>
+              <a:rPr lang="en-US" dirty="0">
+                <a:solidFill>
+                  <a:srgbClr val="F8F8F2"/>
+                </a:solidFill>
+                <a:latin typeface="Menlo"/>
+              </a:rPr>
+              <a:t> </a:t>
+            </a:r>
+            <a:r>
+              <a:rPr lang="en-US" dirty="0">
+                <a:solidFill>
+                  <a:srgbClr val="F92672"/>
+                </a:solidFill>
+                <a:latin typeface="Menlo"/>
+              </a:rPr>
+              <a:t>=</a:t>
+            </a:r>
+            <a:r>
+              <a:rPr lang="en-US" dirty="0">
+                <a:solidFill>
+                  <a:srgbClr val="F8F8F2"/>
+                </a:solidFill>
+                <a:latin typeface="Menlo"/>
+              </a:rPr>
+              <a:t> </a:t>
+            </a:r>
+            <a:r>
+              <a:rPr lang="en-US" dirty="0" err="1">
+                <a:solidFill>
+                  <a:srgbClr val="A6E22E"/>
+                </a:solidFill>
+                <a:latin typeface="Menlo"/>
+              </a:rPr>
+              <a:t>angular</a:t>
+            </a:r>
+            <a:r>
+              <a:rPr lang="en-US" dirty="0" err="1">
+                <a:solidFill>
+                  <a:srgbClr val="F8F8F2"/>
+                </a:solidFill>
+                <a:latin typeface="Menlo"/>
+              </a:rPr>
+              <a:t>.</a:t>
+            </a:r>
+            <a:r>
+              <a:rPr lang="en-US" dirty="0" err="1">
+                <a:solidFill>
+                  <a:srgbClr val="A6E22E"/>
+                </a:solidFill>
+                <a:latin typeface="Menlo"/>
+              </a:rPr>
+              <a:t>module</a:t>
+            </a:r>
+            <a:r>
+              <a:rPr lang="en-US" dirty="0">
+                <a:solidFill>
+                  <a:srgbClr val="F8F8F2"/>
+                </a:solidFill>
+                <a:latin typeface="Menlo"/>
+              </a:rPr>
+              <a:t>(</a:t>
+            </a:r>
+            <a:r>
+              <a:rPr lang="en-US" dirty="0">
+                <a:solidFill>
+                  <a:srgbClr val="E6DB74"/>
+                </a:solidFill>
+                <a:latin typeface="Menlo"/>
+              </a:rPr>
+              <a:t>'</a:t>
+            </a:r>
+            <a:r>
+              <a:rPr lang="en-US" dirty="0" err="1">
+                <a:solidFill>
+                  <a:srgbClr val="E6DB74"/>
+                </a:solidFill>
+                <a:latin typeface="Menlo"/>
+              </a:rPr>
+              <a:t>myModule</a:t>
+            </a:r>
+            <a:r>
+              <a:rPr lang="en-US" dirty="0">
+                <a:solidFill>
+                  <a:srgbClr val="E6DB74"/>
+                </a:solidFill>
+                <a:latin typeface="Menlo"/>
+              </a:rPr>
+              <a:t>'</a:t>
+            </a:r>
+            <a:r>
+              <a:rPr lang="en-US" dirty="0">
+                <a:solidFill>
+                  <a:srgbClr val="F8F8F2"/>
+                </a:solidFill>
+                <a:latin typeface="Menlo"/>
+              </a:rPr>
+              <a:t>, []);</a:t>
+            </a:r>
+          </a:p>
+          <a:p>
+            <a:r>
+              <a:rPr lang="en-US" dirty="0"/>
+              <a:t>Retrieving an existing module: </a:t>
+            </a:r>
+            <a:endParaRPr lang="en-US" dirty="0" smtClean="0"/>
+          </a:p>
+          <a:p>
+            <a:pPr marL="349250" lvl="1" indent="0">
+              <a:buNone/>
+            </a:pPr>
+            <a:r>
+              <a:rPr lang="en-US" dirty="0" err="1" smtClean="0">
+                <a:solidFill>
+                  <a:srgbClr val="66D9EF"/>
+                </a:solidFill>
+                <a:latin typeface="Menlo"/>
+              </a:rPr>
+              <a:t>var</a:t>
+            </a:r>
+            <a:r>
+              <a:rPr lang="en-US" dirty="0" smtClean="0">
+                <a:solidFill>
+                  <a:srgbClr val="F8F8F2"/>
+                </a:solidFill>
+                <a:latin typeface="Menlo"/>
+              </a:rPr>
+              <a:t> </a:t>
+            </a:r>
+            <a:r>
+              <a:rPr lang="en-US" dirty="0" err="1">
+                <a:solidFill>
+                  <a:srgbClr val="A6E22E"/>
+                </a:solidFill>
+                <a:latin typeface="Menlo"/>
+              </a:rPr>
+              <a:t>myModule</a:t>
+            </a:r>
+            <a:r>
+              <a:rPr lang="en-US" dirty="0">
+                <a:solidFill>
+                  <a:srgbClr val="F8F8F2"/>
+                </a:solidFill>
+                <a:latin typeface="Menlo"/>
+              </a:rPr>
+              <a:t> </a:t>
+            </a:r>
+            <a:r>
+              <a:rPr lang="en-US" dirty="0">
+                <a:solidFill>
+                  <a:srgbClr val="F92672"/>
+                </a:solidFill>
+                <a:latin typeface="Menlo"/>
+              </a:rPr>
+              <a:t>=</a:t>
+            </a:r>
+            <a:r>
+              <a:rPr lang="en-US" dirty="0">
+                <a:solidFill>
+                  <a:srgbClr val="F8F8F2"/>
+                </a:solidFill>
+                <a:latin typeface="Menlo"/>
+              </a:rPr>
+              <a:t> </a:t>
+            </a:r>
+            <a:r>
+              <a:rPr lang="en-US" dirty="0" err="1">
+                <a:solidFill>
+                  <a:srgbClr val="A6E22E"/>
+                </a:solidFill>
+                <a:latin typeface="Menlo"/>
+              </a:rPr>
+              <a:t>angular</a:t>
+            </a:r>
+            <a:r>
+              <a:rPr lang="en-US" dirty="0" err="1">
+                <a:solidFill>
+                  <a:srgbClr val="F8F8F2"/>
+                </a:solidFill>
+                <a:latin typeface="Menlo"/>
+              </a:rPr>
+              <a:t>.</a:t>
+            </a:r>
+            <a:r>
+              <a:rPr lang="en-US" dirty="0" err="1">
+                <a:solidFill>
+                  <a:srgbClr val="A6E22E"/>
+                </a:solidFill>
+                <a:latin typeface="Menlo"/>
+              </a:rPr>
+              <a:t>module</a:t>
+            </a:r>
+            <a:r>
+              <a:rPr lang="en-US" dirty="0">
+                <a:solidFill>
+                  <a:srgbClr val="F8F8F2"/>
+                </a:solidFill>
+                <a:latin typeface="Menlo"/>
+              </a:rPr>
+              <a:t>(</a:t>
+            </a:r>
+            <a:r>
+              <a:rPr lang="en-US" dirty="0">
+                <a:solidFill>
+                  <a:srgbClr val="E6DB74"/>
+                </a:solidFill>
+                <a:latin typeface="Menlo"/>
+              </a:rPr>
+              <a:t>'</a:t>
+            </a:r>
+            <a:r>
+              <a:rPr lang="en-US" dirty="0" err="1">
+                <a:solidFill>
+                  <a:srgbClr val="E6DB74"/>
+                </a:solidFill>
+                <a:latin typeface="Menlo"/>
+              </a:rPr>
+              <a:t>myModule</a:t>
+            </a:r>
+            <a:r>
+              <a:rPr lang="en-US" dirty="0">
+                <a:solidFill>
+                  <a:srgbClr val="E6DB74"/>
+                </a:solidFill>
+                <a:latin typeface="Menlo"/>
+              </a:rPr>
+              <a:t>'</a:t>
+            </a:r>
+            <a:r>
+              <a:rPr lang="en-US" dirty="0">
+                <a:latin typeface="Menlo Regular"/>
+                <a:cs typeface="Menlo Regular"/>
+              </a:rPr>
+              <a:t>)</a:t>
+            </a:r>
+            <a:r>
+              <a:rPr lang="en-US" dirty="0" smtClean="0">
+                <a:latin typeface="Menlo Regular"/>
+                <a:cs typeface="Menlo Regular"/>
+              </a:rPr>
+              <a:t>;</a:t>
+            </a:r>
+            <a:endParaRPr lang="en-US" dirty="0">
+              <a:latin typeface="Menlo Regular"/>
+              <a:cs typeface="Menlo Regular"/>
+            </a:endParaRPr>
+          </a:p>
+          <a:p>
+            <a:r>
+              <a:rPr lang="en-US" dirty="0">
+                <a:hlinkClick r:id="rId2"/>
+              </a:rPr>
+              <a:t>http://</a:t>
+            </a:r>
+            <a:r>
+              <a:rPr lang="en-US" dirty="0" err="1">
+                <a:hlinkClick r:id="rId2"/>
+              </a:rPr>
+              <a:t>docs.angularjs.org</a:t>
+            </a:r>
+            <a:r>
+              <a:rPr lang="en-US" dirty="0">
+                <a:hlinkClick r:id="rId2"/>
+              </a:rPr>
+              <a:t>/</a:t>
+            </a:r>
+            <a:r>
+              <a:rPr lang="en-US" dirty="0" err="1">
+                <a:hlinkClick r:id="rId2"/>
+              </a:rPr>
+              <a:t>api</a:t>
+            </a:r>
+            <a:r>
+              <a:rPr lang="en-US" dirty="0">
+                <a:hlinkClick r:id="rId2"/>
+              </a:rPr>
+              <a:t>/</a:t>
+            </a:r>
+            <a:r>
+              <a:rPr lang="en-US" dirty="0" err="1">
+                <a:hlinkClick r:id="rId2"/>
+              </a:rPr>
+              <a:t>ng</a:t>
+            </a:r>
+            <a:r>
+              <a:rPr lang="en-US" dirty="0">
+                <a:hlinkClick r:id="rId2"/>
+              </a:rPr>
+              <a:t>/function/</a:t>
+            </a:r>
+            <a:r>
+              <a:rPr lang="en-US" dirty="0" err="1">
+                <a:hlinkClick r:id="rId2"/>
+              </a:rPr>
+              <a:t>angular.module</a:t>
+            </a:r>
+            <a:endParaRPr lang="en-US" dirty="0"/>
+          </a:p>
+          <a:p>
+            <a:endParaRPr lang="en-US" dirty="0"/>
           </a:p>
         </p:txBody>
       </p:sp>
     </p:spTree>
     <p:extLst>
       <p:ext uri="{BB962C8B-B14F-4D97-AF65-F5344CB8AC3E}">
-        <p14:creationId xmlns:p14="http://schemas.microsoft.com/office/powerpoint/2010/main" val="2167449141"/>
+        <p14:creationId xmlns:p14="http://schemas.microsoft.com/office/powerpoint/2010/main" val="1590919453"/>
       </p:ext>
     </p:extLst>
   </p:cSld>
   <p:clrMapOvr>
     <a:masterClrMapping/>
   </p:clrMapOvr>
-  <p:timing>
-    <p:tnLst>
-      <p:par>
-        <p:cTn xmlns:p14="http://schemas.microsoft.com/office/powerpoint/2010/main" id="1" dur="indefinite" restart="never" nodeType="tmRoot"/>
-      </p:par>
-    </p:tnLst>
-  </p:timing>
 </p:sld>
 </file>
 
@@ -5802,14 +6108,12 @@
         </p:nvSpPr>
         <p:spPr/>
         <p:txBody>
-          <a:bodyPr>
-            <a:normAutofit fontScale="90000"/>
-          </a:bodyPr>
+          <a:bodyPr/>
           <a:lstStyle/>
           <a:p>
             <a:r>
               <a:rPr lang="en-US" dirty="0" smtClean="0"/>
-              <a:t>Creating/Retrieving Modules</a:t>
+              <a:t>Registering Controllers</a:t>
             </a:r>
             <a:endParaRPr lang="en-US" dirty="0"/>
           </a:p>
@@ -5827,29 +6131,320 @@
         </p:nvSpPr>
         <p:spPr/>
         <p:txBody>
-          <a:bodyPr/>
+          <a:bodyPr>
+            <a:normAutofit/>
+          </a:bodyPr>
           <a:lstStyle/>
           <a:p>
             <a:r>
-              <a:rPr lang="en-US" dirty="0"/>
-              <a:t>Defining a new module:</a:t>
-            </a:r>
-          </a:p>
-          <a:p>
-            <a:pPr marL="349250" lvl="1" indent="0">
+              <a:rPr lang="en-US" dirty="0" smtClean="0"/>
+              <a:t>Use .controller method on module</a:t>
+            </a:r>
+          </a:p>
+          <a:p>
+            <a:r>
+              <a:rPr lang="en-US" dirty="0" smtClean="0">
+                <a:hlinkClick r:id="rId2"/>
+              </a:rPr>
+              <a:t>http</a:t>
+            </a:r>
+            <a:r>
+              <a:rPr lang="en-US" dirty="0">
+                <a:hlinkClick r:id="rId2"/>
+              </a:rPr>
+              <a:t>://docs.angularjs.org/api/ng/type/</a:t>
+            </a:r>
+            <a:r>
+              <a:rPr lang="en-US" dirty="0" smtClean="0">
+                <a:hlinkClick r:id="rId2"/>
+              </a:rPr>
+              <a:t>angular.Module</a:t>
+            </a:r>
+            <a:endParaRPr lang="en-US" dirty="0" smtClean="0"/>
+          </a:p>
+          <a:p>
+            <a:pPr marL="0" indent="0">
               <a:buNone/>
             </a:pPr>
+            <a:endParaRPr lang="en-US" dirty="0" smtClean="0"/>
+          </a:p>
+          <a:p>
+            <a:endParaRPr lang="en-US" dirty="0"/>
+          </a:p>
+        </p:txBody>
+      </p:sp>
+      <p:sp>
+        <p:nvSpPr>
+          <p:cNvPr id="4" name="Rectangle 3"/>
+          <p:cNvSpPr/>
+          <p:nvPr/>
+        </p:nvSpPr>
+        <p:spPr>
+          <a:xfrm>
+            <a:off x="1030310" y="3425076"/>
+            <a:ext cx="7104346" cy="1754327"/>
+          </a:xfrm>
+          <a:prstGeom prst="rect">
+            <a:avLst/>
+          </a:prstGeom>
+        </p:spPr>
+        <p:txBody>
+          <a:bodyPr wrap="square">
+            <a:spAutoFit/>
+          </a:bodyPr>
+          <a:lstStyle/>
+          <a:p>
+            <a:r>
+              <a:rPr lang="en-US" dirty="0">
+                <a:solidFill>
+                  <a:srgbClr val="75715E"/>
+                </a:solidFill>
+                <a:latin typeface="Menlo"/>
+              </a:rPr>
+              <a:t>// Register controller '</a:t>
+            </a:r>
             <a:r>
               <a:rPr lang="en-US" dirty="0" err="1">
                 <a:solidFill>
+                  <a:srgbClr val="75715E"/>
+                </a:solidFill>
+                <a:latin typeface="Menlo"/>
+              </a:rPr>
+              <a:t>MyController</a:t>
+            </a:r>
+            <a:r>
+              <a:rPr lang="en-US" dirty="0">
+                <a:solidFill>
+                  <a:srgbClr val="75715E"/>
+                </a:solidFill>
+                <a:latin typeface="Menlo"/>
+              </a:rPr>
+              <a:t>' on the new module</a:t>
+            </a:r>
+          </a:p>
+          <a:p>
+            <a:r>
+              <a:rPr lang="en-US" dirty="0" err="1">
+                <a:solidFill>
+                  <a:srgbClr val="A6E22E"/>
+                </a:solidFill>
+                <a:latin typeface="Menlo"/>
+              </a:rPr>
+              <a:t>angular</a:t>
+            </a:r>
+            <a:r>
+              <a:rPr lang="en-US" dirty="0" err="1">
+                <a:solidFill>
+                  <a:srgbClr val="F8F8F2"/>
+                </a:solidFill>
+                <a:latin typeface="Menlo"/>
+              </a:rPr>
+              <a:t>.</a:t>
+            </a:r>
+            <a:r>
+              <a:rPr lang="en-US" dirty="0" err="1">
+                <a:solidFill>
+                  <a:srgbClr val="A6E22E"/>
+                </a:solidFill>
+                <a:latin typeface="Menlo"/>
+              </a:rPr>
+              <a:t>module</a:t>
+            </a:r>
+            <a:r>
+              <a:rPr lang="en-US" dirty="0">
+                <a:solidFill>
+                  <a:srgbClr val="F8F8F2"/>
+                </a:solidFill>
+                <a:latin typeface="Menlo"/>
+              </a:rPr>
+              <a:t>(</a:t>
+            </a:r>
+            <a:r>
+              <a:rPr lang="en-US" dirty="0">
+                <a:solidFill>
+                  <a:srgbClr val="E6DB74"/>
+                </a:solidFill>
+                <a:latin typeface="Menlo"/>
+              </a:rPr>
+              <a:t>'</a:t>
+            </a:r>
+            <a:r>
+              <a:rPr lang="en-US" dirty="0" err="1">
+                <a:solidFill>
+                  <a:srgbClr val="E6DB74"/>
+                </a:solidFill>
+                <a:latin typeface="Menlo"/>
+              </a:rPr>
+              <a:t>myModule</a:t>
+            </a:r>
+            <a:r>
+              <a:rPr lang="en-US" dirty="0">
+                <a:solidFill>
+                  <a:srgbClr val="E6DB74"/>
+                </a:solidFill>
+                <a:latin typeface="Menlo"/>
+              </a:rPr>
+              <a:t>'</a:t>
+            </a:r>
+            <a:r>
+              <a:rPr lang="en-US" dirty="0">
+                <a:solidFill>
+                  <a:srgbClr val="F8F8F2"/>
+                </a:solidFill>
+                <a:latin typeface="Menlo"/>
+              </a:rPr>
+              <a:t>, [])</a:t>
+            </a:r>
+          </a:p>
+          <a:p>
+            <a:r>
+              <a:rPr lang="en-US" dirty="0">
+                <a:solidFill>
+                  <a:srgbClr val="F8F8F2"/>
+                </a:solidFill>
+                <a:latin typeface="Menlo"/>
+              </a:rPr>
+              <a:t>  .</a:t>
+            </a:r>
+            <a:r>
+              <a:rPr lang="en-US" dirty="0">
+                <a:solidFill>
+                  <a:srgbClr val="A6E22E"/>
+                </a:solidFill>
+                <a:latin typeface="Menlo"/>
+              </a:rPr>
+              <a:t>controller</a:t>
+            </a:r>
+            <a:r>
+              <a:rPr lang="en-US" dirty="0">
+                <a:solidFill>
+                  <a:srgbClr val="F8F8F2"/>
+                </a:solidFill>
+                <a:latin typeface="Menlo"/>
+              </a:rPr>
+              <a:t>(</a:t>
+            </a:r>
+            <a:r>
+              <a:rPr lang="en-US" dirty="0">
+                <a:solidFill>
+                  <a:srgbClr val="E6DB74"/>
+                </a:solidFill>
+                <a:latin typeface="Menlo"/>
+              </a:rPr>
+              <a:t>'</a:t>
+            </a:r>
+            <a:r>
+              <a:rPr lang="en-US" dirty="0" err="1">
+                <a:solidFill>
+                  <a:srgbClr val="E6DB74"/>
+                </a:solidFill>
+                <a:latin typeface="Menlo"/>
+              </a:rPr>
+              <a:t>MyController</a:t>
+            </a:r>
+            <a:r>
+              <a:rPr lang="en-US" dirty="0">
+                <a:solidFill>
+                  <a:srgbClr val="E6DB74"/>
+                </a:solidFill>
+                <a:latin typeface="Menlo"/>
+              </a:rPr>
+              <a:t>'</a:t>
+            </a:r>
+            <a:r>
+              <a:rPr lang="en-US" dirty="0">
+                <a:solidFill>
+                  <a:srgbClr val="F8F8F2"/>
+                </a:solidFill>
+                <a:latin typeface="Menlo"/>
+              </a:rPr>
+              <a:t>, </a:t>
+            </a:r>
+            <a:r>
+              <a:rPr lang="en-US" dirty="0">
+                <a:solidFill>
                   <a:srgbClr val="66D9EF"/>
                 </a:solidFill>
                 <a:latin typeface="Menlo"/>
               </a:rPr>
-              <a:t>var</a:t>
-            </a:r>
-            <a:r>
-              <a:rPr lang="en-US" dirty="0">
+              <a:t>function</a:t>
+            </a:r>
+            <a:r>
+              <a:rPr lang="en-US" dirty="0">
+                <a:solidFill>
+                  <a:srgbClr val="F8F8F2"/>
+                </a:solidFill>
+                <a:latin typeface="Menlo"/>
+              </a:rPr>
+              <a:t>(</a:t>
+            </a:r>
+            <a:r>
+              <a:rPr lang="en-US" dirty="0">
+                <a:solidFill>
+                  <a:srgbClr val="A6E22E"/>
+                </a:solidFill>
+                <a:latin typeface="Menlo"/>
+              </a:rPr>
+              <a:t>$scope</a:t>
+            </a:r>
+            <a:r>
+              <a:rPr lang="en-US" dirty="0">
+                <a:solidFill>
+                  <a:srgbClr val="F8F8F2"/>
+                </a:solidFill>
+                <a:latin typeface="Menlo"/>
+              </a:rPr>
+              <a:t>) {</a:t>
+            </a:r>
+          </a:p>
+          <a:p>
+            <a:r>
+              <a:rPr lang="it-IT" dirty="0">
+                <a:solidFill>
+                  <a:srgbClr val="F8F8F2"/>
+                </a:solidFill>
+                <a:latin typeface="Menlo"/>
+              </a:rPr>
+              <a:t>    </a:t>
+            </a:r>
+            <a:r>
+              <a:rPr lang="it-IT" dirty="0">
+                <a:solidFill>
+                  <a:srgbClr val="A6E22E"/>
+                </a:solidFill>
+                <a:latin typeface="Menlo"/>
+              </a:rPr>
+              <a:t>$</a:t>
+            </a:r>
+            <a:r>
+              <a:rPr lang="it-IT" dirty="0" err="1">
+                <a:solidFill>
+                  <a:srgbClr val="A6E22E"/>
+                </a:solidFill>
+                <a:latin typeface="Menlo"/>
+              </a:rPr>
+              <a:t>scope</a:t>
+            </a:r>
+            <a:r>
+              <a:rPr lang="it-IT" dirty="0" err="1">
+                <a:solidFill>
+                  <a:srgbClr val="F8F8F2"/>
+                </a:solidFill>
+                <a:latin typeface="Menlo"/>
+              </a:rPr>
+              <a:t>.</a:t>
+            </a:r>
+            <a:r>
+              <a:rPr lang="it-IT" dirty="0" err="1">
+                <a:solidFill>
+                  <a:srgbClr val="A6E22E"/>
+                </a:solidFill>
+                <a:latin typeface="Menlo"/>
+              </a:rPr>
+              <a:t>name</a:t>
+            </a:r>
+            <a:r>
+              <a:rPr lang="it-IT" dirty="0">
                 <a:solidFill>
                   <a:srgbClr val="F8F8F2"/>
                 </a:solidFill>
@@ -5858,16 +6453,16 @@
               <a:t> </a:t>
             </a:r>
             <a:r>
-              <a:rPr lang="en-US" dirty="0" err="1">
-                <a:solidFill>
-                  <a:srgbClr val="A6E22E"/>
-                </a:solidFill>
-                <a:latin typeface="Menlo"/>
-              </a:rPr>
-              <a:t>myModule</a:t>
-            </a:r>
-            <a:r>
-              <a:rPr lang="en-US" dirty="0">
+              <a:rPr lang="it-IT" dirty="0">
+                <a:solidFill>
+                  <a:srgbClr val="F92672"/>
+                </a:solidFill>
+                <a:latin typeface="Menlo"/>
+              </a:rPr>
+              <a:t>=</a:t>
+            </a:r>
+            <a:r>
+              <a:rPr lang="it-IT" dirty="0">
                 <a:solidFill>
                   <a:srgbClr val="F8F8F2"/>
                 </a:solidFill>
@@ -5876,303 +6471,47 @@
               <a:t> </a:t>
             </a:r>
             <a:r>
-              <a:rPr lang="en-US" dirty="0">
-                <a:solidFill>
-                  <a:srgbClr val="F92672"/>
-                </a:solidFill>
-                <a:latin typeface="Menlo"/>
-              </a:rPr>
-              <a:t>=</a:t>
-            </a:r>
-            <a:r>
-              <a:rPr lang="en-US" dirty="0">
-                <a:solidFill>
-                  <a:srgbClr val="F8F8F2"/>
-                </a:solidFill>
-                <a:latin typeface="Menlo"/>
-              </a:rPr>
-              <a:t> </a:t>
-            </a:r>
-            <a:r>
-              <a:rPr lang="en-US" dirty="0" err="1">
-                <a:solidFill>
-                  <a:srgbClr val="A6E22E"/>
-                </a:solidFill>
-                <a:latin typeface="Menlo"/>
-              </a:rPr>
-              <a:t>angular</a:t>
-            </a:r>
-            <a:r>
-              <a:rPr lang="en-US" dirty="0" err="1">
-                <a:solidFill>
-                  <a:srgbClr val="F8F8F2"/>
-                </a:solidFill>
-                <a:latin typeface="Menlo"/>
-              </a:rPr>
-              <a:t>.</a:t>
-            </a:r>
-            <a:r>
-              <a:rPr lang="en-US" dirty="0" err="1">
-                <a:solidFill>
-                  <a:srgbClr val="A6E22E"/>
-                </a:solidFill>
-                <a:latin typeface="Menlo"/>
-              </a:rPr>
-              <a:t>module</a:t>
-            </a:r>
-            <a:r>
-              <a:rPr lang="en-US" dirty="0">
-                <a:solidFill>
-                  <a:srgbClr val="F8F8F2"/>
-                </a:solidFill>
-                <a:latin typeface="Menlo"/>
-              </a:rPr>
-              <a:t>(</a:t>
-            </a:r>
-            <a:r>
-              <a:rPr lang="en-US" dirty="0">
+              <a:rPr lang="it-IT" dirty="0">
                 <a:solidFill>
                   <a:srgbClr val="E6DB74"/>
                 </a:solidFill>
                 <a:latin typeface="Menlo"/>
               </a:rPr>
-              <a:t>'</a:t>
-            </a:r>
-            <a:r>
-              <a:rPr lang="en-US" dirty="0" err="1">
-                <a:solidFill>
-                  <a:srgbClr val="E6DB74"/>
-                </a:solidFill>
-                <a:latin typeface="Menlo"/>
-              </a:rPr>
-              <a:t>myModule</a:t>
-            </a:r>
-            <a:r>
-              <a:rPr lang="en-US" dirty="0">
-                <a:solidFill>
-                  <a:srgbClr val="E6DB74"/>
-                </a:solidFill>
-                <a:latin typeface="Menlo"/>
-              </a:rPr>
-              <a:t>'</a:t>
-            </a:r>
-            <a:r>
-              <a:rPr lang="en-US" dirty="0">
-                <a:solidFill>
-                  <a:srgbClr val="F8F8F2"/>
-                </a:solidFill>
-                <a:latin typeface="Menlo"/>
-              </a:rPr>
-              <a:t>, []);</a:t>
-            </a:r>
-          </a:p>
-          <a:p>
-            <a:r>
-              <a:rPr lang="en-US" dirty="0"/>
-              <a:t>Retrieving an existing module: </a:t>
-            </a:r>
-            <a:endParaRPr lang="en-US" dirty="0" smtClean="0"/>
-          </a:p>
-          <a:p>
-            <a:pPr marL="349250" lvl="1" indent="0">
-              <a:buNone/>
-            </a:pPr>
-            <a:r>
-              <a:rPr lang="en-US" dirty="0" err="1" smtClean="0">
-                <a:solidFill>
-                  <a:srgbClr val="66D9EF"/>
-                </a:solidFill>
-                <a:latin typeface="Menlo"/>
-              </a:rPr>
-              <a:t>var</a:t>
-            </a:r>
-            <a:r>
-              <a:rPr lang="en-US" dirty="0" smtClean="0">
-                <a:solidFill>
-                  <a:srgbClr val="F8F8F2"/>
-                </a:solidFill>
-                <a:latin typeface="Menlo"/>
-              </a:rPr>
-              <a:t> </a:t>
-            </a:r>
-            <a:r>
-              <a:rPr lang="en-US" dirty="0" err="1">
-                <a:solidFill>
-                  <a:srgbClr val="A6E22E"/>
-                </a:solidFill>
-                <a:latin typeface="Menlo"/>
-              </a:rPr>
-              <a:t>myModule</a:t>
-            </a:r>
-            <a:r>
-              <a:rPr lang="en-US" dirty="0">
-                <a:solidFill>
-                  <a:srgbClr val="F8F8F2"/>
-                </a:solidFill>
-                <a:latin typeface="Menlo"/>
-              </a:rPr>
-              <a:t> </a:t>
-            </a:r>
-            <a:r>
-              <a:rPr lang="en-US" dirty="0">
-                <a:solidFill>
-                  <a:srgbClr val="F92672"/>
-                </a:solidFill>
-                <a:latin typeface="Menlo"/>
-              </a:rPr>
-              <a:t>=</a:t>
-            </a:r>
-            <a:r>
-              <a:rPr lang="en-US" dirty="0">
-                <a:solidFill>
-                  <a:srgbClr val="F8F8F2"/>
-                </a:solidFill>
-                <a:latin typeface="Menlo"/>
-              </a:rPr>
-              <a:t> </a:t>
-            </a:r>
-            <a:r>
-              <a:rPr lang="en-US" dirty="0" err="1">
-                <a:solidFill>
-                  <a:srgbClr val="A6E22E"/>
-                </a:solidFill>
-                <a:latin typeface="Menlo"/>
-              </a:rPr>
-              <a:t>angular</a:t>
-            </a:r>
-            <a:r>
-              <a:rPr lang="en-US" dirty="0" err="1">
-                <a:solidFill>
-                  <a:srgbClr val="F8F8F2"/>
-                </a:solidFill>
-                <a:latin typeface="Menlo"/>
-              </a:rPr>
-              <a:t>.</a:t>
-            </a:r>
-            <a:r>
-              <a:rPr lang="en-US" dirty="0" err="1">
-                <a:solidFill>
-                  <a:srgbClr val="A6E22E"/>
-                </a:solidFill>
-                <a:latin typeface="Menlo"/>
-              </a:rPr>
-              <a:t>module</a:t>
-            </a:r>
-            <a:r>
-              <a:rPr lang="en-US" dirty="0">
-                <a:solidFill>
-                  <a:srgbClr val="F8F8F2"/>
-                </a:solidFill>
-                <a:latin typeface="Menlo"/>
-              </a:rPr>
-              <a:t>(</a:t>
-            </a:r>
-            <a:r>
-              <a:rPr lang="en-US" dirty="0">
-                <a:solidFill>
-                  <a:srgbClr val="E6DB74"/>
-                </a:solidFill>
-                <a:latin typeface="Menlo"/>
-              </a:rPr>
-              <a:t>'</a:t>
-            </a:r>
-            <a:r>
-              <a:rPr lang="en-US" dirty="0" err="1">
-                <a:solidFill>
-                  <a:srgbClr val="E6DB74"/>
-                </a:solidFill>
-                <a:latin typeface="Menlo"/>
-              </a:rPr>
-              <a:t>myModule</a:t>
-            </a:r>
-            <a:r>
-              <a:rPr lang="en-US" dirty="0">
-                <a:solidFill>
-                  <a:srgbClr val="E6DB74"/>
-                </a:solidFill>
-                <a:latin typeface="Menlo"/>
-              </a:rPr>
-              <a:t>'</a:t>
-            </a:r>
-            <a:r>
-              <a:rPr lang="en-US" dirty="0">
-                <a:latin typeface="Menlo Regular"/>
-                <a:cs typeface="Menlo Regular"/>
-              </a:rPr>
-              <a:t>)</a:t>
-            </a:r>
-            <a:r>
-              <a:rPr lang="en-US" dirty="0" smtClean="0">
-                <a:latin typeface="Menlo Regular"/>
-                <a:cs typeface="Menlo Regular"/>
+              <a:t>'Phil'</a:t>
+            </a:r>
+            <a:r>
+              <a:rPr lang="it-IT" dirty="0">
+                <a:solidFill>
+                  <a:srgbClr val="F8F8F2"/>
+                </a:solidFill>
+                <a:latin typeface="Menlo"/>
               </a:rPr>
               <a:t>;</a:t>
             </a:r>
-            <a:endParaRPr lang="en-US" dirty="0">
-              <a:latin typeface="Menlo Regular"/>
-              <a:cs typeface="Menlo Regular"/>
+          </a:p>
+          <a:p>
+            <a:r>
+              <a:rPr lang="it-IT" dirty="0">
+                <a:solidFill>
+                  <a:srgbClr val="F8F8F2"/>
+                </a:solidFill>
+                <a:latin typeface="Menlo"/>
+              </a:rPr>
+              <a:t>  })</a:t>
+            </a:r>
+            <a:endParaRPr lang="it-IT" dirty="0">
+              <a:solidFill>
+                <a:srgbClr val="F8F8F2"/>
+              </a:solidFill>
+              <a:latin typeface="Menlo"/>
             </a:endParaRPr>
-          </a:p>
-          <a:p>
-            <a:r>
-              <a:rPr lang="en-US" dirty="0">
-                <a:hlinkClick r:id="rId2"/>
-              </a:rPr>
-              <a:t>http://</a:t>
-            </a:r>
-            <a:r>
-              <a:rPr lang="en-US" dirty="0" err="1">
-                <a:hlinkClick r:id="rId2"/>
-              </a:rPr>
-              <a:t>docs.angularjs.org</a:t>
-            </a:r>
-            <a:r>
-              <a:rPr lang="en-US" dirty="0">
-                <a:hlinkClick r:id="rId2"/>
-              </a:rPr>
-              <a:t>/</a:t>
-            </a:r>
-            <a:r>
-              <a:rPr lang="en-US" dirty="0" err="1">
-                <a:hlinkClick r:id="rId2"/>
-              </a:rPr>
-              <a:t>api</a:t>
-            </a:r>
-            <a:r>
-              <a:rPr lang="en-US" dirty="0">
-                <a:hlinkClick r:id="rId2"/>
-              </a:rPr>
-              <a:t>/</a:t>
-            </a:r>
-            <a:r>
-              <a:rPr lang="en-US" dirty="0" err="1">
-                <a:hlinkClick r:id="rId2"/>
-              </a:rPr>
-              <a:t>ng</a:t>
-            </a:r>
-            <a:r>
-              <a:rPr lang="en-US" dirty="0">
-                <a:hlinkClick r:id="rId2"/>
-              </a:rPr>
-              <a:t>/function/</a:t>
-            </a:r>
-            <a:r>
-              <a:rPr lang="en-US" dirty="0" err="1">
-                <a:hlinkClick r:id="rId2"/>
-              </a:rPr>
-              <a:t>angular.module</a:t>
-            </a:r>
-            <a:endParaRPr lang="en-US" dirty="0"/>
-          </a:p>
-          <a:p>
-            <a:endParaRPr lang="en-US" dirty="0"/>
           </a:p>
         </p:txBody>
       </p:sp>
     </p:spTree>
     <p:extLst>
       <p:ext uri="{BB962C8B-B14F-4D97-AF65-F5344CB8AC3E}">
-        <p14:creationId xmlns:p14="http://schemas.microsoft.com/office/powerpoint/2010/main" val="1590919453"/>
+        <p14:creationId xmlns:p14="http://schemas.microsoft.com/office/powerpoint/2010/main" val="3743558251"/>
       </p:ext>
     </p:extLst>
   </p:cSld>
@@ -6211,12 +6550,14 @@
         </p:nvSpPr>
         <p:spPr/>
         <p:txBody>
-          <a:bodyPr/>
+          <a:bodyPr>
+            <a:normAutofit/>
+          </a:bodyPr>
           <a:lstStyle/>
           <a:p>
             <a:r>
               <a:rPr lang="en-US" dirty="0" smtClean="0"/>
-              <a:t>Registering Controllers</a:t>
+              <a:t>Specifying a “Main” Module</a:t>
             </a:r>
             <a:endParaRPr lang="en-US" dirty="0"/>
           </a:p>
@@ -6234,44 +6575,40 @@
         </p:nvSpPr>
         <p:spPr/>
         <p:txBody>
-          <a:bodyPr>
-            <a:normAutofit/>
-          </a:bodyPr>
+          <a:bodyPr/>
           <a:lstStyle/>
           <a:p>
             <a:r>
               <a:rPr lang="en-US" dirty="0" smtClean="0"/>
-              <a:t>Use .controller method on module</a:t>
-            </a:r>
-          </a:p>
-          <a:p>
-            <a:r>
-              <a:rPr lang="en-US" dirty="0" smtClean="0">
-                <a:hlinkClick r:id="rId2"/>
-              </a:rPr>
-              <a:t>http</a:t>
-            </a:r>
-            <a:r>
-              <a:rPr lang="en-US" dirty="0">
-                <a:hlinkClick r:id="rId2"/>
-              </a:rPr>
-              <a:t>://docs.angularjs.org/api/ng/type/</a:t>
-            </a:r>
-            <a:r>
-              <a:rPr lang="en-US" dirty="0" smtClean="0">
-                <a:hlinkClick r:id="rId2"/>
-              </a:rPr>
-              <a:t>angular.Module</a:t>
-            </a:r>
-            <a:endParaRPr lang="en-US" dirty="0" smtClean="0"/>
+              <a:t>No “main” method in </a:t>
+            </a:r>
+            <a:r>
+              <a:rPr lang="en-US" dirty="0" err="1" smtClean="0"/>
+              <a:t>AngularJS</a:t>
+            </a:r>
+            <a:r>
+              <a:rPr lang="en-US" dirty="0" smtClean="0"/>
+              <a:t> apps</a:t>
+            </a:r>
+          </a:p>
+          <a:p>
+            <a:r>
+              <a:rPr lang="en-US" dirty="0" smtClean="0"/>
+              <a:t>Use </a:t>
+            </a:r>
+            <a:r>
+              <a:rPr lang="en-US" dirty="0" err="1" smtClean="0"/>
+              <a:t>ng</a:t>
+            </a:r>
+            <a:r>
+              <a:rPr lang="en-US" dirty="0" smtClean="0"/>
+              <a:t>-app directive to declaratively specify how app should load</a:t>
+            </a:r>
           </a:p>
           <a:p>
             <a:pPr marL="0" indent="0">
               <a:buNone/>
             </a:pPr>
-            <a:endParaRPr lang="en-US" dirty="0" smtClean="0"/>
-          </a:p>
-          <a:p>
             <a:endParaRPr lang="en-US" dirty="0"/>
           </a:p>
         </p:txBody>
@@ -6284,8 +6621,8 @@
         </p:nvSpPr>
         <p:spPr>
           <a:xfrm>
-            <a:off x="1030310" y="3425076"/>
-            <a:ext cx="7104346" cy="1754327"/>
+            <a:off x="946446" y="3400051"/>
+            <a:ext cx="7248111" cy="3323987"/>
           </a:xfrm>
           <a:prstGeom prst="rect">
             <a:avLst/>
@@ -6298,323 +6635,941 @@
           <a:lstStyle/>
           <a:p>
             <a:r>
-              <a:rPr lang="en-US" dirty="0">
+              <a:rPr lang="en-US" sz="1400" dirty="0">
                 <a:solidFill>
                   <a:srgbClr val="75715E"/>
                 </a:solidFill>
                 <a:latin typeface="Menlo"/>
               </a:rPr>
-              <a:t>// Register controller '</a:t>
-            </a:r>
-            <a:r>
-              <a:rPr lang="en-US" dirty="0" err="1">
+              <a:t>&lt;!</a:t>
+            </a:r>
+            <a:r>
+              <a:rPr lang="en-US" sz="1400" dirty="0" err="1">
                 <a:solidFill>
                   <a:srgbClr val="75715E"/>
                 </a:solidFill>
                 <a:latin typeface="Menlo"/>
               </a:rPr>
-              <a:t>MyController</a:t>
-            </a:r>
-            <a:r>
-              <a:rPr lang="en-US" dirty="0">
+              <a:t>doctype</a:t>
+            </a:r>
+            <a:r>
+              <a:rPr lang="en-US" sz="1400" dirty="0">
                 <a:solidFill>
                   <a:srgbClr val="75715E"/>
                 </a:solidFill>
                 <a:latin typeface="Menlo"/>
               </a:rPr>
-              <a:t>' on the new module</a:t>
-            </a:r>
-          </a:p>
-          <a:p>
-            <a:r>
-              <a:rPr lang="en-US" dirty="0" err="1">
-                <a:solidFill>
-                  <a:srgbClr val="A6E22E"/>
-                </a:solidFill>
-                <a:latin typeface="Menlo"/>
-              </a:rPr>
-              <a:t>angular</a:t>
-            </a:r>
-            <a:r>
-              <a:rPr lang="en-US" dirty="0" err="1">
-                <a:solidFill>
-                  <a:srgbClr val="F8F8F2"/>
-                </a:solidFill>
-                <a:latin typeface="Menlo"/>
-              </a:rPr>
-              <a:t>.</a:t>
-            </a:r>
-            <a:r>
-              <a:rPr lang="en-US" dirty="0" err="1">
-                <a:solidFill>
-                  <a:srgbClr val="A6E22E"/>
-                </a:solidFill>
-                <a:latin typeface="Menlo"/>
-              </a:rPr>
-              <a:t>module</a:t>
-            </a:r>
-            <a:r>
-              <a:rPr lang="en-US" dirty="0">
-                <a:solidFill>
-                  <a:srgbClr val="F8F8F2"/>
-                </a:solidFill>
-                <a:latin typeface="Menlo"/>
-              </a:rPr>
-              <a:t>(</a:t>
-            </a:r>
-            <a:r>
-              <a:rPr lang="en-US" dirty="0">
-                <a:solidFill>
-                  <a:srgbClr val="E6DB74"/>
-                </a:solidFill>
-                <a:latin typeface="Menlo"/>
-              </a:rPr>
-              <a:t>'</a:t>
-            </a:r>
-            <a:r>
-              <a:rPr lang="en-US" dirty="0" err="1">
-                <a:solidFill>
-                  <a:srgbClr val="E6DB74"/>
-                </a:solidFill>
-                <a:latin typeface="Menlo"/>
-              </a:rPr>
-              <a:t>myModule</a:t>
-            </a:r>
-            <a:r>
-              <a:rPr lang="en-US" dirty="0">
-                <a:solidFill>
-                  <a:srgbClr val="E6DB74"/>
-                </a:solidFill>
-                <a:latin typeface="Menlo"/>
-              </a:rPr>
-              <a:t>'</a:t>
-            </a:r>
-            <a:r>
-              <a:rPr lang="en-US" dirty="0">
-                <a:solidFill>
-                  <a:srgbClr val="F8F8F2"/>
-                </a:solidFill>
-                <a:latin typeface="Menlo"/>
-              </a:rPr>
-              <a:t>, [])</a:t>
-            </a:r>
-          </a:p>
-          <a:p>
-            <a:r>
-              <a:rPr lang="en-US" dirty="0">
-                <a:solidFill>
-                  <a:srgbClr val="F8F8F2"/>
-                </a:solidFill>
-                <a:latin typeface="Menlo"/>
-              </a:rPr>
-              <a:t>  .</a:t>
-            </a:r>
-            <a:r>
-              <a:rPr lang="en-US" dirty="0">
-                <a:solidFill>
-                  <a:srgbClr val="A6E22E"/>
-                </a:solidFill>
-                <a:latin typeface="Menlo"/>
-              </a:rPr>
-              <a:t>controller</a:t>
-            </a:r>
-            <a:r>
-              <a:rPr lang="en-US" dirty="0">
-                <a:solidFill>
-                  <a:srgbClr val="F8F8F2"/>
-                </a:solidFill>
-                <a:latin typeface="Menlo"/>
-              </a:rPr>
-              <a:t>(</a:t>
-            </a:r>
-            <a:r>
-              <a:rPr lang="en-US" dirty="0">
-                <a:solidFill>
-                  <a:srgbClr val="E6DB74"/>
-                </a:solidFill>
-                <a:latin typeface="Menlo"/>
-              </a:rPr>
-              <a:t>'</a:t>
-            </a:r>
-            <a:r>
-              <a:rPr lang="en-US" dirty="0" err="1">
-                <a:solidFill>
-                  <a:srgbClr val="E6DB74"/>
-                </a:solidFill>
-                <a:latin typeface="Menlo"/>
-              </a:rPr>
-              <a:t>MyController</a:t>
-            </a:r>
-            <a:r>
-              <a:rPr lang="en-US" dirty="0">
-                <a:solidFill>
-                  <a:srgbClr val="E6DB74"/>
-                </a:solidFill>
-                <a:latin typeface="Menlo"/>
-              </a:rPr>
-              <a:t>'</a:t>
-            </a:r>
-            <a:r>
-              <a:rPr lang="en-US" dirty="0">
-                <a:solidFill>
-                  <a:srgbClr val="F8F8F2"/>
-                </a:solidFill>
-                <a:latin typeface="Menlo"/>
-              </a:rPr>
-              <a:t>, </a:t>
-            </a:r>
-            <a:r>
-              <a:rPr lang="en-US" dirty="0">
-                <a:solidFill>
-                  <a:srgbClr val="66D9EF"/>
-                </a:solidFill>
-                <a:latin typeface="Menlo"/>
-              </a:rPr>
-              <a:t>function</a:t>
-            </a:r>
-            <a:r>
-              <a:rPr lang="en-US" dirty="0">
-                <a:solidFill>
-                  <a:srgbClr val="F8F8F2"/>
-                </a:solidFill>
-                <a:latin typeface="Menlo"/>
-              </a:rPr>
-              <a:t>(</a:t>
-            </a:r>
-            <a:r>
-              <a:rPr lang="en-US" dirty="0">
-                <a:solidFill>
-                  <a:srgbClr val="A6E22E"/>
-                </a:solidFill>
-                <a:latin typeface="Menlo"/>
-              </a:rPr>
-              <a:t>$scope</a:t>
-            </a:r>
-            <a:r>
-              <a:rPr lang="en-US" dirty="0">
-                <a:solidFill>
-                  <a:srgbClr val="F8F8F2"/>
-                </a:solidFill>
-                <a:latin typeface="Menlo"/>
-              </a:rPr>
-              <a:t>) {</a:t>
-            </a:r>
-          </a:p>
-          <a:p>
-            <a:r>
-              <a:rPr lang="it-IT" dirty="0">
-                <a:solidFill>
-                  <a:srgbClr val="F8F8F2"/>
-                </a:solidFill>
-                <a:latin typeface="Menlo"/>
-              </a:rPr>
-              <a:t>    </a:t>
-            </a:r>
-            <a:r>
-              <a:rPr lang="it-IT" dirty="0">
-                <a:solidFill>
-                  <a:srgbClr val="A6E22E"/>
-                </a:solidFill>
-                <a:latin typeface="Menlo"/>
-              </a:rPr>
-              <a:t>$</a:t>
-            </a:r>
-            <a:r>
-              <a:rPr lang="it-IT" dirty="0" err="1">
-                <a:solidFill>
-                  <a:srgbClr val="A6E22E"/>
-                </a:solidFill>
-                <a:latin typeface="Menlo"/>
-              </a:rPr>
-              <a:t>scope</a:t>
-            </a:r>
-            <a:r>
-              <a:rPr lang="it-IT" dirty="0" err="1">
-                <a:solidFill>
-                  <a:srgbClr val="F8F8F2"/>
-                </a:solidFill>
-                <a:latin typeface="Menlo"/>
-              </a:rPr>
-              <a:t>.</a:t>
-            </a:r>
-            <a:r>
-              <a:rPr lang="it-IT" dirty="0" err="1">
-                <a:solidFill>
-                  <a:srgbClr val="A6E22E"/>
-                </a:solidFill>
-                <a:latin typeface="Menlo"/>
-              </a:rPr>
-              <a:t>name</a:t>
-            </a:r>
-            <a:r>
-              <a:rPr lang="it-IT" dirty="0">
-                <a:solidFill>
-                  <a:srgbClr val="F8F8F2"/>
-                </a:solidFill>
-                <a:latin typeface="Menlo"/>
-              </a:rPr>
-              <a:t> </a:t>
-            </a:r>
-            <a:r>
-              <a:rPr lang="it-IT" dirty="0">
-                <a:solidFill>
-                  <a:srgbClr val="F92672"/>
-                </a:solidFill>
-                <a:latin typeface="Menlo"/>
-              </a:rPr>
-              <a:t>=</a:t>
-            </a:r>
-            <a:r>
-              <a:rPr lang="it-IT" dirty="0">
-                <a:solidFill>
-                  <a:srgbClr val="F8F8F2"/>
-                </a:solidFill>
-                <a:latin typeface="Menlo"/>
-              </a:rPr>
-              <a:t> </a:t>
-            </a:r>
-            <a:r>
-              <a:rPr lang="it-IT" dirty="0">
-                <a:solidFill>
-                  <a:srgbClr val="E6DB74"/>
-                </a:solidFill>
-                <a:latin typeface="Menlo"/>
-              </a:rPr>
-              <a:t>'Phil'</a:t>
-            </a:r>
-            <a:r>
-              <a:rPr lang="it-IT" dirty="0">
-                <a:solidFill>
-                  <a:srgbClr val="F8F8F2"/>
-                </a:solidFill>
-                <a:latin typeface="Menlo"/>
-              </a:rPr>
-              <a:t>;</a:t>
-            </a:r>
-          </a:p>
-          <a:p>
-            <a:r>
-              <a:rPr lang="it-IT" dirty="0">
-                <a:solidFill>
-                  <a:srgbClr val="F8F8F2"/>
-                </a:solidFill>
-                <a:latin typeface="Menlo"/>
-              </a:rPr>
-              <a:t>  })</a:t>
-            </a:r>
-            <a:endParaRPr lang="it-IT" dirty="0">
+              <a:t> html&gt;</a:t>
+            </a:r>
+            <a:endParaRPr lang="en-US" sz="1400" dirty="0">
               <a:solidFill>
                 <a:srgbClr val="F8F8F2"/>
               </a:solidFill>
               <a:latin typeface="Menlo"/>
             </a:endParaRPr>
           </a:p>
+          <a:p>
+            <a:r>
+              <a:rPr lang="en-US" sz="1400" dirty="0">
+                <a:solidFill>
+                  <a:srgbClr val="F92672"/>
+                </a:solidFill>
+                <a:latin typeface="Menlo"/>
+              </a:rPr>
+              <a:t>&lt;html</a:t>
+            </a:r>
+            <a:r>
+              <a:rPr lang="en-US" sz="1400" dirty="0">
+                <a:solidFill>
+                  <a:srgbClr val="F8F8F2"/>
+                </a:solidFill>
+                <a:latin typeface="Menlo"/>
+              </a:rPr>
+              <a:t> </a:t>
+            </a:r>
+            <a:r>
+              <a:rPr lang="en-US" sz="1400" dirty="0" err="1">
+                <a:solidFill>
+                  <a:srgbClr val="A6E22E"/>
+                </a:solidFill>
+                <a:latin typeface="Menlo"/>
+              </a:rPr>
+              <a:t>lang</a:t>
+            </a:r>
+            <a:r>
+              <a:rPr lang="en-US" sz="1400" dirty="0">
+                <a:solidFill>
+                  <a:srgbClr val="A6E22E"/>
+                </a:solidFill>
+                <a:latin typeface="Menlo"/>
+              </a:rPr>
+              <a:t>=</a:t>
+            </a:r>
+            <a:r>
+              <a:rPr lang="en-US" sz="1400" dirty="0">
+                <a:solidFill>
+                  <a:srgbClr val="E6DB74"/>
+                </a:solidFill>
+                <a:latin typeface="Menlo"/>
+              </a:rPr>
+              <a:t>"en"</a:t>
+            </a:r>
+            <a:r>
+              <a:rPr lang="en-US" sz="1400" dirty="0">
+                <a:solidFill>
+                  <a:srgbClr val="F8F8F2"/>
+                </a:solidFill>
+                <a:latin typeface="Menlo"/>
+              </a:rPr>
+              <a:t> </a:t>
+            </a:r>
+            <a:r>
+              <a:rPr lang="en-US" sz="1400" dirty="0" err="1">
+                <a:solidFill>
+                  <a:srgbClr val="A6E22E"/>
+                </a:solidFill>
+                <a:latin typeface="Menlo"/>
+              </a:rPr>
+              <a:t>ng</a:t>
+            </a:r>
+            <a:r>
+              <a:rPr lang="en-US" sz="1400" dirty="0">
+                <a:solidFill>
+                  <a:srgbClr val="A6E22E"/>
+                </a:solidFill>
+                <a:latin typeface="Menlo"/>
+              </a:rPr>
+              <a:t>-app=</a:t>
+            </a:r>
+            <a:r>
+              <a:rPr lang="en-US" sz="1400" dirty="0">
+                <a:solidFill>
+                  <a:srgbClr val="E6DB74"/>
+                </a:solidFill>
+                <a:latin typeface="Menlo"/>
+              </a:rPr>
+              <a:t>"</a:t>
+            </a:r>
+            <a:r>
+              <a:rPr lang="en-US" sz="1400" dirty="0" err="1">
+                <a:solidFill>
+                  <a:srgbClr val="E6DB74"/>
+                </a:solidFill>
+                <a:latin typeface="Menlo"/>
+              </a:rPr>
+              <a:t>myModule</a:t>
+            </a:r>
+            <a:r>
+              <a:rPr lang="en-US" sz="1400" dirty="0">
+                <a:solidFill>
+                  <a:srgbClr val="E6DB74"/>
+                </a:solidFill>
+                <a:latin typeface="Menlo"/>
+              </a:rPr>
+              <a:t>"</a:t>
+            </a:r>
+            <a:r>
+              <a:rPr lang="en-US" sz="1400" dirty="0">
+                <a:solidFill>
+                  <a:srgbClr val="F92672"/>
+                </a:solidFill>
+                <a:latin typeface="Menlo"/>
+              </a:rPr>
+              <a:t>&gt;</a:t>
+            </a:r>
+            <a:endParaRPr lang="en-US" sz="1400" dirty="0">
+              <a:solidFill>
+                <a:srgbClr val="F8F8F2"/>
+              </a:solidFill>
+              <a:latin typeface="Menlo"/>
+            </a:endParaRPr>
+          </a:p>
+          <a:p>
+            <a:r>
+              <a:rPr lang="en-US" sz="1400" dirty="0">
+                <a:solidFill>
+                  <a:srgbClr val="F92672"/>
+                </a:solidFill>
+                <a:latin typeface="Menlo"/>
+              </a:rPr>
+              <a:t>&lt;head&gt;</a:t>
+            </a:r>
+            <a:endParaRPr lang="en-US" sz="1400" dirty="0">
+              <a:solidFill>
+                <a:srgbClr val="F8F8F2"/>
+              </a:solidFill>
+              <a:latin typeface="Menlo"/>
+            </a:endParaRPr>
+          </a:p>
+          <a:p>
+            <a:r>
+              <a:rPr lang="en-US" sz="1400" dirty="0">
+                <a:solidFill>
+                  <a:srgbClr val="F8F8F2"/>
+                </a:solidFill>
+                <a:latin typeface="Menlo"/>
+              </a:rPr>
+              <a:t>  </a:t>
+            </a:r>
+            <a:r>
+              <a:rPr lang="en-US" sz="1400" dirty="0">
+                <a:solidFill>
+                  <a:srgbClr val="F92672"/>
+                </a:solidFill>
+                <a:latin typeface="Menlo"/>
+              </a:rPr>
+              <a:t>&lt;meta</a:t>
+            </a:r>
+            <a:r>
+              <a:rPr lang="en-US" sz="1400" dirty="0">
+                <a:solidFill>
+                  <a:srgbClr val="F8F8F2"/>
+                </a:solidFill>
+                <a:latin typeface="Menlo"/>
+              </a:rPr>
+              <a:t> </a:t>
+            </a:r>
+            <a:r>
+              <a:rPr lang="en-US" sz="1400" dirty="0">
+                <a:solidFill>
+                  <a:srgbClr val="A6E22E"/>
+                </a:solidFill>
+                <a:latin typeface="Menlo"/>
+              </a:rPr>
+              <a:t>charset=</a:t>
+            </a:r>
+            <a:r>
+              <a:rPr lang="en-US" sz="1400" dirty="0">
+                <a:solidFill>
+                  <a:srgbClr val="E6DB74"/>
+                </a:solidFill>
+                <a:latin typeface="Menlo"/>
+              </a:rPr>
+              <a:t>"utf-8"</a:t>
+            </a:r>
+            <a:r>
+              <a:rPr lang="en-US" sz="1400" dirty="0">
+                <a:solidFill>
+                  <a:srgbClr val="F92672"/>
+                </a:solidFill>
+                <a:latin typeface="Menlo"/>
+              </a:rPr>
+              <a:t>&gt;</a:t>
+            </a:r>
+            <a:endParaRPr lang="en-US" sz="1400" dirty="0">
+              <a:solidFill>
+                <a:srgbClr val="F8F8F2"/>
+              </a:solidFill>
+              <a:latin typeface="Menlo"/>
+            </a:endParaRPr>
+          </a:p>
+          <a:p>
+            <a:r>
+              <a:rPr lang="en-US" sz="1400" dirty="0">
+                <a:solidFill>
+                  <a:srgbClr val="F8F8F2"/>
+                </a:solidFill>
+                <a:latin typeface="Menlo"/>
+              </a:rPr>
+              <a:t>  </a:t>
+            </a:r>
+            <a:r>
+              <a:rPr lang="en-US" sz="1400" dirty="0">
+                <a:solidFill>
+                  <a:srgbClr val="F92672"/>
+                </a:solidFill>
+                <a:latin typeface="Menlo"/>
+              </a:rPr>
+              <a:t>&lt;title&gt;</a:t>
+            </a:r>
+            <a:r>
+              <a:rPr lang="en-US" sz="1400" dirty="0" err="1">
+                <a:solidFill>
+                  <a:srgbClr val="F8F8F2"/>
+                </a:solidFill>
+                <a:latin typeface="Menlo"/>
+              </a:rPr>
+              <a:t>ng-bootcamp</a:t>
+            </a:r>
+            <a:r>
+              <a:rPr lang="en-US" sz="1400" dirty="0">
+                <a:solidFill>
+                  <a:srgbClr val="F8F8F2"/>
+                </a:solidFill>
+                <a:latin typeface="Menlo"/>
+              </a:rPr>
+              <a:t> - Day 2</a:t>
+            </a:r>
+            <a:r>
+              <a:rPr lang="en-US" sz="1400" dirty="0">
+                <a:solidFill>
+                  <a:srgbClr val="F92672"/>
+                </a:solidFill>
+                <a:latin typeface="Menlo"/>
+              </a:rPr>
+              <a:t>&lt;/title&gt;</a:t>
+            </a:r>
+            <a:endParaRPr lang="en-US" sz="1400" dirty="0">
+              <a:solidFill>
+                <a:srgbClr val="F8F8F2"/>
+              </a:solidFill>
+              <a:latin typeface="Menlo"/>
+            </a:endParaRPr>
+          </a:p>
+          <a:p>
+            <a:r>
+              <a:rPr lang="en-US" sz="1400" dirty="0">
+                <a:solidFill>
+                  <a:srgbClr val="F8F8F2"/>
+                </a:solidFill>
+                <a:latin typeface="Menlo"/>
+              </a:rPr>
+              <a:t>  </a:t>
+            </a:r>
+            <a:r>
+              <a:rPr lang="en-US" sz="1400" dirty="0">
+                <a:solidFill>
+                  <a:srgbClr val="F92672"/>
+                </a:solidFill>
+                <a:latin typeface="Menlo"/>
+              </a:rPr>
+              <a:t>&lt;link</a:t>
+            </a:r>
+            <a:r>
+              <a:rPr lang="en-US" sz="1400" dirty="0">
+                <a:solidFill>
+                  <a:srgbClr val="F8F8F2"/>
+                </a:solidFill>
+                <a:latin typeface="Menlo"/>
+              </a:rPr>
+              <a:t> </a:t>
+            </a:r>
+            <a:r>
+              <a:rPr lang="en-US" sz="1400" dirty="0" err="1">
+                <a:solidFill>
+                  <a:srgbClr val="A6E22E"/>
+                </a:solidFill>
+                <a:latin typeface="Menlo"/>
+              </a:rPr>
+              <a:t>rel</a:t>
+            </a:r>
+            <a:r>
+              <a:rPr lang="en-US" sz="1400" dirty="0">
+                <a:solidFill>
+                  <a:srgbClr val="A6E22E"/>
+                </a:solidFill>
+                <a:latin typeface="Menlo"/>
+              </a:rPr>
+              <a:t>=</a:t>
+            </a:r>
+            <a:r>
+              <a:rPr lang="en-US" sz="1400" dirty="0">
+                <a:solidFill>
+                  <a:srgbClr val="E6DB74"/>
+                </a:solidFill>
+                <a:latin typeface="Menlo"/>
+              </a:rPr>
+              <a:t>"</a:t>
+            </a:r>
+            <a:r>
+              <a:rPr lang="en-US" sz="1400" dirty="0" err="1">
+                <a:solidFill>
+                  <a:srgbClr val="E6DB74"/>
+                </a:solidFill>
+                <a:latin typeface="Menlo"/>
+              </a:rPr>
+              <a:t>stylesheet</a:t>
+            </a:r>
+            <a:r>
+              <a:rPr lang="en-US" sz="1400" dirty="0">
+                <a:solidFill>
+                  <a:srgbClr val="E6DB74"/>
+                </a:solidFill>
+                <a:latin typeface="Menlo"/>
+              </a:rPr>
+              <a:t>"</a:t>
+            </a:r>
+            <a:r>
+              <a:rPr lang="en-US" sz="1400" dirty="0">
+                <a:solidFill>
+                  <a:srgbClr val="F8F8F2"/>
+                </a:solidFill>
+                <a:latin typeface="Menlo"/>
+              </a:rPr>
+              <a:t> </a:t>
+            </a:r>
+            <a:r>
+              <a:rPr lang="en-US" sz="1400" dirty="0" err="1">
+                <a:solidFill>
+                  <a:srgbClr val="A6E22E"/>
+                </a:solidFill>
+                <a:latin typeface="Menlo"/>
+              </a:rPr>
+              <a:t>href</a:t>
+            </a:r>
+            <a:r>
+              <a:rPr lang="en-US" sz="1400" dirty="0">
+                <a:solidFill>
+                  <a:srgbClr val="A6E22E"/>
+                </a:solidFill>
+                <a:latin typeface="Menlo"/>
+              </a:rPr>
+              <a:t>=</a:t>
+            </a:r>
+            <a:r>
+              <a:rPr lang="en-US" sz="1400" dirty="0">
+                <a:solidFill>
+                  <a:srgbClr val="E6DB74"/>
+                </a:solidFill>
+                <a:latin typeface="Menlo"/>
+              </a:rPr>
+              <a:t>"</a:t>
+            </a:r>
+            <a:r>
+              <a:rPr lang="en-US" sz="1400" dirty="0" err="1">
+                <a:solidFill>
+                  <a:srgbClr val="E6DB74"/>
+                </a:solidFill>
+                <a:latin typeface="Menlo"/>
+              </a:rPr>
+              <a:t>bower_components</a:t>
+            </a:r>
+            <a:r>
+              <a:rPr lang="en-US" sz="1400" dirty="0">
+                <a:solidFill>
+                  <a:srgbClr val="E6DB74"/>
+                </a:solidFill>
+                <a:latin typeface="Menlo"/>
+              </a:rPr>
+              <a:t>/bootstrap/</a:t>
+            </a:r>
+            <a:r>
+              <a:rPr lang="en-US" sz="1400" dirty="0" err="1">
+                <a:solidFill>
+                  <a:srgbClr val="E6DB74"/>
+                </a:solidFill>
+                <a:latin typeface="Menlo"/>
+              </a:rPr>
+              <a:t>dist</a:t>
+            </a:r>
+            <a:r>
+              <a:rPr lang="en-US" sz="1400" dirty="0">
+                <a:solidFill>
+                  <a:srgbClr val="E6DB74"/>
+                </a:solidFill>
+                <a:latin typeface="Menlo"/>
+              </a:rPr>
+              <a:t>/</a:t>
+            </a:r>
+            <a:r>
+              <a:rPr lang="en-US" sz="1400" dirty="0" err="1">
+                <a:solidFill>
+                  <a:srgbClr val="E6DB74"/>
+                </a:solidFill>
+                <a:latin typeface="Menlo"/>
+              </a:rPr>
+              <a:t>css</a:t>
+            </a:r>
+            <a:r>
+              <a:rPr lang="en-US" sz="1400" dirty="0">
+                <a:solidFill>
+                  <a:srgbClr val="E6DB74"/>
+                </a:solidFill>
+                <a:latin typeface="Menlo"/>
+              </a:rPr>
+              <a:t>/</a:t>
+            </a:r>
+            <a:r>
+              <a:rPr lang="en-US" sz="1400" dirty="0" err="1">
+                <a:solidFill>
+                  <a:srgbClr val="E6DB74"/>
+                </a:solidFill>
+                <a:latin typeface="Menlo"/>
+              </a:rPr>
+              <a:t>bootstrap.css</a:t>
+            </a:r>
+            <a:r>
+              <a:rPr lang="en-US" sz="1400" dirty="0">
+                <a:solidFill>
+                  <a:srgbClr val="E6DB74"/>
+                </a:solidFill>
+                <a:latin typeface="Menlo"/>
+              </a:rPr>
+              <a:t>"</a:t>
+            </a:r>
+            <a:r>
+              <a:rPr lang="en-US" sz="1400" dirty="0">
+                <a:solidFill>
+                  <a:srgbClr val="F8F8F2"/>
+                </a:solidFill>
+                <a:latin typeface="Menlo"/>
+              </a:rPr>
+              <a:t> </a:t>
+            </a:r>
+            <a:r>
+              <a:rPr lang="en-US" sz="1400" dirty="0">
+                <a:solidFill>
+                  <a:srgbClr val="F92672"/>
+                </a:solidFill>
+                <a:latin typeface="Menlo"/>
+              </a:rPr>
+              <a:t>/&gt;</a:t>
+            </a:r>
+            <a:endParaRPr lang="en-US" sz="1400" dirty="0">
+              <a:solidFill>
+                <a:srgbClr val="F8F8F2"/>
+              </a:solidFill>
+              <a:latin typeface="Menlo"/>
+            </a:endParaRPr>
+          </a:p>
+          <a:p>
+            <a:r>
+              <a:rPr lang="en-US" sz="1400" dirty="0">
+                <a:solidFill>
+                  <a:srgbClr val="F92672"/>
+                </a:solidFill>
+                <a:latin typeface="Menlo"/>
+              </a:rPr>
+              <a:t>&lt;/head&gt;</a:t>
+            </a:r>
+            <a:endParaRPr lang="en-US" sz="1400" dirty="0">
+              <a:solidFill>
+                <a:srgbClr val="F8F8F2"/>
+              </a:solidFill>
+              <a:latin typeface="Menlo"/>
+            </a:endParaRPr>
+          </a:p>
+          <a:p>
+            <a:r>
+              <a:rPr lang="en-US" sz="1400" dirty="0">
+                <a:solidFill>
+                  <a:srgbClr val="F92672"/>
+                </a:solidFill>
+                <a:latin typeface="Menlo"/>
+              </a:rPr>
+              <a:t>&lt;body</a:t>
+            </a:r>
+            <a:r>
+              <a:rPr lang="en-US" sz="1400" dirty="0">
+                <a:solidFill>
+                  <a:srgbClr val="F8F8F2"/>
+                </a:solidFill>
+                <a:latin typeface="Menlo"/>
+              </a:rPr>
+              <a:t> </a:t>
+            </a:r>
+            <a:r>
+              <a:rPr lang="en-US" sz="1400" dirty="0" err="1">
+                <a:solidFill>
+                  <a:srgbClr val="A6E22E"/>
+                </a:solidFill>
+                <a:latin typeface="Menlo"/>
+              </a:rPr>
+              <a:t>ng</a:t>
+            </a:r>
+            <a:r>
+              <a:rPr lang="en-US" sz="1400" dirty="0">
+                <a:solidFill>
+                  <a:srgbClr val="A6E22E"/>
+                </a:solidFill>
+                <a:latin typeface="Menlo"/>
+              </a:rPr>
+              <a:t>-controller=</a:t>
+            </a:r>
+            <a:r>
+              <a:rPr lang="en-US" sz="1400" dirty="0">
+                <a:solidFill>
+                  <a:srgbClr val="E6DB74"/>
+                </a:solidFill>
+                <a:latin typeface="Menlo"/>
+              </a:rPr>
+              <a:t>"</a:t>
+            </a:r>
+            <a:r>
+              <a:rPr lang="en-US" sz="1400" dirty="0" err="1">
+                <a:solidFill>
+                  <a:srgbClr val="E6DB74"/>
+                </a:solidFill>
+                <a:latin typeface="Menlo"/>
+              </a:rPr>
+              <a:t>MyController</a:t>
+            </a:r>
+            <a:r>
+              <a:rPr lang="en-US" sz="1400" dirty="0">
+                <a:solidFill>
+                  <a:srgbClr val="E6DB74"/>
+                </a:solidFill>
+                <a:latin typeface="Menlo"/>
+              </a:rPr>
+              <a:t>"</a:t>
+            </a:r>
+            <a:r>
+              <a:rPr lang="en-US" sz="1400" dirty="0">
+                <a:solidFill>
+                  <a:srgbClr val="F8F8F2"/>
+                </a:solidFill>
+                <a:latin typeface="Menlo"/>
+              </a:rPr>
+              <a:t> </a:t>
+            </a:r>
+            <a:r>
+              <a:rPr lang="en-US" sz="1400" dirty="0">
+                <a:solidFill>
+                  <a:srgbClr val="A6E22E"/>
+                </a:solidFill>
+                <a:latin typeface="Menlo"/>
+              </a:rPr>
+              <a:t>class=</a:t>
+            </a:r>
+            <a:r>
+              <a:rPr lang="en-US" sz="1400" dirty="0">
+                <a:solidFill>
+                  <a:srgbClr val="E6DB74"/>
+                </a:solidFill>
+                <a:latin typeface="Menlo"/>
+              </a:rPr>
+              <a:t>"container"</a:t>
+            </a:r>
+            <a:r>
+              <a:rPr lang="en-US" sz="1400" dirty="0">
+                <a:solidFill>
+                  <a:srgbClr val="F92672"/>
+                </a:solidFill>
+                <a:latin typeface="Menlo"/>
+              </a:rPr>
+              <a:t>&gt;</a:t>
+            </a:r>
+            <a:endParaRPr lang="en-US" sz="1400" dirty="0">
+              <a:solidFill>
+                <a:srgbClr val="F8F8F2"/>
+              </a:solidFill>
+              <a:latin typeface="Menlo"/>
+            </a:endParaRPr>
+          </a:p>
+          <a:p>
+            <a:r>
+              <a:rPr lang="it-IT" sz="1400" dirty="0">
+                <a:solidFill>
+                  <a:srgbClr val="F8F8F2"/>
+                </a:solidFill>
+                <a:latin typeface="Menlo"/>
+              </a:rPr>
+              <a:t>  </a:t>
+            </a:r>
+            <a:r>
+              <a:rPr lang="it-IT" sz="1400" dirty="0">
+                <a:solidFill>
+                  <a:srgbClr val="F92672"/>
+                </a:solidFill>
+                <a:latin typeface="Menlo"/>
+              </a:rPr>
+              <a:t>&lt;h1&gt;</a:t>
+            </a:r>
+            <a:r>
+              <a:rPr lang="it-IT" sz="1400" dirty="0">
+                <a:solidFill>
+                  <a:srgbClr val="F8F8F2"/>
+                </a:solidFill>
+                <a:latin typeface="Menlo"/>
+              </a:rPr>
+              <a:t>{{'Hello ' + </a:t>
+            </a:r>
+            <a:r>
+              <a:rPr lang="it-IT" sz="1400" dirty="0" err="1">
+                <a:solidFill>
+                  <a:srgbClr val="F8F8F2"/>
+                </a:solidFill>
+                <a:latin typeface="Menlo"/>
+              </a:rPr>
+              <a:t>name</a:t>
+            </a:r>
+            <a:r>
+              <a:rPr lang="it-IT" sz="1400" dirty="0">
+                <a:solidFill>
+                  <a:srgbClr val="F8F8F2"/>
+                </a:solidFill>
+                <a:latin typeface="Menlo"/>
+              </a:rPr>
+              <a:t>}}</a:t>
+            </a:r>
+            <a:r>
+              <a:rPr lang="it-IT" sz="1400" dirty="0">
+                <a:solidFill>
+                  <a:srgbClr val="F92672"/>
+                </a:solidFill>
+                <a:latin typeface="Menlo"/>
+              </a:rPr>
+              <a:t>&lt;/h1&gt;</a:t>
+            </a:r>
+            <a:endParaRPr lang="it-IT" sz="1400" dirty="0">
+              <a:solidFill>
+                <a:srgbClr val="F8F8F2"/>
+              </a:solidFill>
+              <a:latin typeface="Menlo"/>
+            </a:endParaRPr>
+          </a:p>
+          <a:p>
+            <a:endParaRPr lang="it-IT" sz="1400" dirty="0">
+              <a:solidFill>
+                <a:srgbClr val="F8F8F2"/>
+              </a:solidFill>
+              <a:latin typeface="Menlo"/>
+            </a:endParaRPr>
+          </a:p>
+          <a:p>
+            <a:r>
+              <a:rPr lang="it-IT" sz="1400" dirty="0">
+                <a:solidFill>
+                  <a:srgbClr val="F8F8F2"/>
+                </a:solidFill>
+                <a:latin typeface="Menlo"/>
+              </a:rPr>
+              <a:t>  </a:t>
+            </a:r>
+            <a:r>
+              <a:rPr lang="it-IT" sz="1400" dirty="0">
+                <a:solidFill>
+                  <a:srgbClr val="F92672"/>
+                </a:solidFill>
+                <a:latin typeface="Menlo"/>
+              </a:rPr>
+              <a:t>&lt;script </a:t>
+            </a:r>
+            <a:r>
+              <a:rPr lang="it-IT" sz="1400" dirty="0" err="1">
+                <a:solidFill>
+                  <a:srgbClr val="A6E22E"/>
+                </a:solidFill>
+                <a:latin typeface="Menlo"/>
+              </a:rPr>
+              <a:t>src</a:t>
+            </a:r>
+            <a:r>
+              <a:rPr lang="it-IT" sz="1400" dirty="0">
+                <a:solidFill>
+                  <a:srgbClr val="A6E22E"/>
+                </a:solidFill>
+                <a:latin typeface="Menlo"/>
+              </a:rPr>
+              <a:t>=</a:t>
+            </a:r>
+            <a:r>
+              <a:rPr lang="it-IT" sz="1400" dirty="0">
+                <a:solidFill>
+                  <a:srgbClr val="E6DB74"/>
+                </a:solidFill>
+                <a:latin typeface="Menlo"/>
+              </a:rPr>
+              <a:t>"</a:t>
+            </a:r>
+            <a:r>
+              <a:rPr lang="it-IT" sz="1400" dirty="0" err="1">
+                <a:solidFill>
+                  <a:srgbClr val="E6DB74"/>
+                </a:solidFill>
+                <a:latin typeface="Menlo"/>
+              </a:rPr>
+              <a:t>bower_components</a:t>
+            </a:r>
+            <a:r>
+              <a:rPr lang="it-IT" sz="1400" dirty="0">
+                <a:solidFill>
+                  <a:srgbClr val="E6DB74"/>
+                </a:solidFill>
+                <a:latin typeface="Menlo"/>
+              </a:rPr>
+              <a:t>/</a:t>
+            </a:r>
+            <a:r>
+              <a:rPr lang="it-IT" sz="1400" dirty="0" err="1">
+                <a:solidFill>
+                  <a:srgbClr val="E6DB74"/>
+                </a:solidFill>
+                <a:latin typeface="Menlo"/>
+              </a:rPr>
+              <a:t>angular</a:t>
+            </a:r>
+            <a:r>
+              <a:rPr lang="it-IT" sz="1400" dirty="0">
+                <a:solidFill>
+                  <a:srgbClr val="E6DB74"/>
+                </a:solidFill>
+                <a:latin typeface="Menlo"/>
+              </a:rPr>
+              <a:t>/</a:t>
+            </a:r>
+            <a:r>
+              <a:rPr lang="it-IT" sz="1400" dirty="0" err="1">
+                <a:solidFill>
+                  <a:srgbClr val="E6DB74"/>
+                </a:solidFill>
+                <a:latin typeface="Menlo"/>
+              </a:rPr>
+              <a:t>angular.min.js</a:t>
+            </a:r>
+            <a:r>
+              <a:rPr lang="it-IT" sz="1400" dirty="0">
+                <a:solidFill>
+                  <a:srgbClr val="E6DB74"/>
+                </a:solidFill>
+                <a:latin typeface="Menlo"/>
+              </a:rPr>
+              <a:t>"</a:t>
+            </a:r>
+            <a:r>
+              <a:rPr lang="it-IT" sz="1400" dirty="0">
+                <a:solidFill>
+                  <a:srgbClr val="F92672"/>
+                </a:solidFill>
+                <a:latin typeface="Menlo"/>
+              </a:rPr>
+              <a:t>&gt;&lt;/script&gt;</a:t>
+            </a:r>
+            <a:endParaRPr lang="it-IT" sz="1400" dirty="0">
+              <a:solidFill>
+                <a:srgbClr val="F8F8F2"/>
+              </a:solidFill>
+              <a:latin typeface="Menlo"/>
+            </a:endParaRPr>
+          </a:p>
+          <a:p>
+            <a:r>
+              <a:rPr lang="it-IT" sz="1400" dirty="0">
+                <a:solidFill>
+                  <a:srgbClr val="F8F8F2"/>
+                </a:solidFill>
+                <a:latin typeface="Menlo"/>
+              </a:rPr>
+              <a:t>  </a:t>
+            </a:r>
+            <a:r>
+              <a:rPr lang="it-IT" sz="1400" dirty="0">
+                <a:solidFill>
+                  <a:srgbClr val="F92672"/>
+                </a:solidFill>
+                <a:latin typeface="Menlo"/>
+              </a:rPr>
+              <a:t>&lt;script </a:t>
+            </a:r>
+            <a:r>
+              <a:rPr lang="it-IT" sz="1400" dirty="0" err="1">
+                <a:solidFill>
+                  <a:srgbClr val="A6E22E"/>
+                </a:solidFill>
+                <a:latin typeface="Menlo"/>
+              </a:rPr>
+              <a:t>src</a:t>
+            </a:r>
+            <a:r>
+              <a:rPr lang="it-IT" sz="1400" dirty="0">
+                <a:solidFill>
+                  <a:srgbClr val="A6E22E"/>
+                </a:solidFill>
+                <a:latin typeface="Menlo"/>
+              </a:rPr>
+              <a:t>=</a:t>
+            </a:r>
+            <a:r>
+              <a:rPr lang="it-IT" sz="1400" dirty="0">
+                <a:solidFill>
+                  <a:srgbClr val="E6DB74"/>
+                </a:solidFill>
+                <a:latin typeface="Menlo"/>
+              </a:rPr>
+              <a:t>"</a:t>
+            </a:r>
+            <a:r>
+              <a:rPr lang="it-IT" sz="1400" dirty="0" err="1">
+                <a:solidFill>
+                  <a:srgbClr val="E6DB74"/>
+                </a:solidFill>
+                <a:latin typeface="Menlo"/>
+              </a:rPr>
+              <a:t>app</a:t>
+            </a:r>
+            <a:r>
+              <a:rPr lang="it-IT" sz="1400" dirty="0">
+                <a:solidFill>
+                  <a:srgbClr val="E6DB74"/>
+                </a:solidFill>
+                <a:latin typeface="Menlo"/>
+              </a:rPr>
+              <a:t>/</a:t>
+            </a:r>
+            <a:r>
+              <a:rPr lang="it-IT" sz="1400" dirty="0" err="1">
+                <a:solidFill>
+                  <a:srgbClr val="E6DB74"/>
+                </a:solidFill>
+                <a:latin typeface="Menlo"/>
+              </a:rPr>
+              <a:t>app.js</a:t>
+            </a:r>
+            <a:r>
+              <a:rPr lang="it-IT" sz="1400" dirty="0">
+                <a:solidFill>
+                  <a:srgbClr val="E6DB74"/>
+                </a:solidFill>
+                <a:latin typeface="Menlo"/>
+              </a:rPr>
+              <a:t>"</a:t>
+            </a:r>
+            <a:r>
+              <a:rPr lang="it-IT" sz="1400" dirty="0">
+                <a:solidFill>
+                  <a:srgbClr val="F92672"/>
+                </a:solidFill>
+                <a:latin typeface="Menlo"/>
+              </a:rPr>
+              <a:t>&gt;&lt;/script&gt;</a:t>
+            </a:r>
+            <a:endParaRPr lang="it-IT" sz="1400" dirty="0">
+              <a:solidFill>
+                <a:srgbClr val="F8F8F2"/>
+              </a:solidFill>
+              <a:latin typeface="Menlo"/>
+            </a:endParaRPr>
+          </a:p>
+          <a:p>
+            <a:r>
+              <a:rPr lang="it-IT" sz="1400" dirty="0">
+                <a:solidFill>
+                  <a:srgbClr val="F92672"/>
+                </a:solidFill>
+                <a:latin typeface="Menlo"/>
+              </a:rPr>
+              <a:t>&lt;/body&gt;</a:t>
+            </a:r>
+            <a:endParaRPr lang="it-IT" sz="1400" dirty="0">
+              <a:solidFill>
+                <a:srgbClr val="F8F8F2"/>
+              </a:solidFill>
+              <a:latin typeface="Menlo"/>
+            </a:endParaRPr>
+          </a:p>
+          <a:p>
+            <a:r>
+              <a:rPr lang="it-IT" sz="1400" dirty="0">
+                <a:solidFill>
+                  <a:srgbClr val="F92672"/>
+                </a:solidFill>
+                <a:latin typeface="Menlo"/>
+              </a:rPr>
+              <a:t>&lt;/html&gt;</a:t>
+            </a:r>
+            <a:endParaRPr lang="it-IT" sz="1400" dirty="0">
+              <a:solidFill>
+                <a:srgbClr val="F8F8F2"/>
+              </a:solidFill>
+              <a:latin typeface="Menlo"/>
+            </a:endParaRPr>
+          </a:p>
         </p:txBody>
       </p:sp>
     </p:spTree>
     <p:extLst>
       <p:ext uri="{BB962C8B-B14F-4D97-AF65-F5344CB8AC3E}">
-        <p14:creationId xmlns:p14="http://schemas.microsoft.com/office/powerpoint/2010/main" val="3743558251"/>
+        <p14:creationId xmlns:p14="http://schemas.microsoft.com/office/powerpoint/2010/main" val="714090078"/>
       </p:ext>
     </p:extLst>
   </p:cSld>
@@ -6653,1064 +7608,6 @@
         </p:nvSpPr>
         <p:spPr/>
         <p:txBody>
-          <a:bodyPr>
-            <a:normAutofit/>
-          </a:bodyPr>
-          <a:lstStyle/>
-          <a:p>
-            <a:r>
-              <a:rPr lang="en-US" dirty="0" smtClean="0"/>
-              <a:t>Specifying a “Main” Module</a:t>
-            </a:r>
-            <a:endParaRPr lang="en-US" dirty="0"/>
-          </a:p>
-        </p:txBody>
-      </p:sp>
-      <p:sp>
-        <p:nvSpPr>
-          <p:cNvPr id="3" name="Content Placeholder 2"/>
-          <p:cNvSpPr>
-            <a:spLocks noGrp="1"/>
-          </p:cNvSpPr>
-          <p:nvPr>
-            <p:ph idx="1"/>
-          </p:nvPr>
-        </p:nvSpPr>
-        <p:spPr/>
-        <p:txBody>
-          <a:bodyPr/>
-          <a:lstStyle/>
-          <a:p>
-            <a:r>
-              <a:rPr lang="en-US" dirty="0" smtClean="0"/>
-              <a:t>No “main” method in </a:t>
-            </a:r>
-            <a:r>
-              <a:rPr lang="en-US" dirty="0" err="1" smtClean="0"/>
-              <a:t>AngularJS</a:t>
-            </a:r>
-            <a:r>
-              <a:rPr lang="en-US" dirty="0" smtClean="0"/>
-              <a:t> apps</a:t>
-            </a:r>
-          </a:p>
-          <a:p>
-            <a:r>
-              <a:rPr lang="en-US" dirty="0" smtClean="0"/>
-              <a:t>Use </a:t>
-            </a:r>
-            <a:r>
-              <a:rPr lang="en-US" dirty="0" err="1" smtClean="0"/>
-              <a:t>ng</a:t>
-            </a:r>
-            <a:r>
-              <a:rPr lang="en-US" dirty="0" smtClean="0"/>
-              <a:t>-app directive to declaratively specify how app should load</a:t>
-            </a:r>
-          </a:p>
-          <a:p>
-            <a:pPr marL="0" indent="0">
-              <a:buNone/>
-            </a:pPr>
-            <a:endParaRPr lang="en-US" dirty="0"/>
-          </a:p>
-        </p:txBody>
-      </p:sp>
-      <p:sp>
-        <p:nvSpPr>
-          <p:cNvPr id="4" name="Rectangle 3"/>
-          <p:cNvSpPr/>
-          <p:nvPr/>
-        </p:nvSpPr>
-        <p:spPr>
-          <a:xfrm>
-            <a:off x="946446" y="3400051"/>
-            <a:ext cx="7248111" cy="3323987"/>
-          </a:xfrm>
-          <a:prstGeom prst="rect">
-            <a:avLst/>
-          </a:prstGeom>
-        </p:spPr>
-        <p:txBody>
-          <a:bodyPr wrap="square">
-            <a:spAutoFit/>
-          </a:bodyPr>
-          <a:lstStyle/>
-          <a:p>
-            <a:r>
-              <a:rPr lang="en-US" sz="1400" dirty="0">
-                <a:solidFill>
-                  <a:srgbClr val="75715E"/>
-                </a:solidFill>
-                <a:latin typeface="Menlo"/>
-              </a:rPr>
-              <a:t>&lt;!</a:t>
-            </a:r>
-            <a:r>
-              <a:rPr lang="en-US" sz="1400" dirty="0" err="1">
-                <a:solidFill>
-                  <a:srgbClr val="75715E"/>
-                </a:solidFill>
-                <a:latin typeface="Menlo"/>
-              </a:rPr>
-              <a:t>doctype</a:t>
-            </a:r>
-            <a:r>
-              <a:rPr lang="en-US" sz="1400" dirty="0">
-                <a:solidFill>
-                  <a:srgbClr val="75715E"/>
-                </a:solidFill>
-                <a:latin typeface="Menlo"/>
-              </a:rPr>
-              <a:t> html&gt;</a:t>
-            </a:r>
-            <a:endParaRPr lang="en-US" sz="1400" dirty="0">
-              <a:solidFill>
-                <a:srgbClr val="F8F8F2"/>
-              </a:solidFill>
-              <a:latin typeface="Menlo"/>
-            </a:endParaRPr>
-          </a:p>
-          <a:p>
-            <a:r>
-              <a:rPr lang="en-US" sz="1400" dirty="0">
-                <a:solidFill>
-                  <a:srgbClr val="F92672"/>
-                </a:solidFill>
-                <a:latin typeface="Menlo"/>
-              </a:rPr>
-              <a:t>&lt;html</a:t>
-            </a:r>
-            <a:r>
-              <a:rPr lang="en-US" sz="1400" dirty="0">
-                <a:solidFill>
-                  <a:srgbClr val="F8F8F2"/>
-                </a:solidFill>
-                <a:latin typeface="Menlo"/>
-              </a:rPr>
-              <a:t> </a:t>
-            </a:r>
-            <a:r>
-              <a:rPr lang="en-US" sz="1400" dirty="0" err="1">
-                <a:solidFill>
-                  <a:srgbClr val="A6E22E"/>
-                </a:solidFill>
-                <a:latin typeface="Menlo"/>
-              </a:rPr>
-              <a:t>lang</a:t>
-            </a:r>
-            <a:r>
-              <a:rPr lang="en-US" sz="1400" dirty="0">
-                <a:solidFill>
-                  <a:srgbClr val="A6E22E"/>
-                </a:solidFill>
-                <a:latin typeface="Menlo"/>
-              </a:rPr>
-              <a:t>=</a:t>
-            </a:r>
-            <a:r>
-              <a:rPr lang="en-US" sz="1400" dirty="0">
-                <a:solidFill>
-                  <a:srgbClr val="E6DB74"/>
-                </a:solidFill>
-                <a:latin typeface="Menlo"/>
-              </a:rPr>
-              <a:t>"en"</a:t>
-            </a:r>
-            <a:r>
-              <a:rPr lang="en-US" sz="1400" dirty="0">
-                <a:solidFill>
-                  <a:srgbClr val="F8F8F2"/>
-                </a:solidFill>
-                <a:latin typeface="Menlo"/>
-              </a:rPr>
-              <a:t> </a:t>
-            </a:r>
-            <a:r>
-              <a:rPr lang="en-US" sz="1400" dirty="0" err="1">
-                <a:solidFill>
-                  <a:srgbClr val="A6E22E"/>
-                </a:solidFill>
-                <a:latin typeface="Menlo"/>
-              </a:rPr>
-              <a:t>ng</a:t>
-            </a:r>
-            <a:r>
-              <a:rPr lang="en-US" sz="1400" dirty="0">
-                <a:solidFill>
-                  <a:srgbClr val="A6E22E"/>
-                </a:solidFill>
-                <a:latin typeface="Menlo"/>
-              </a:rPr>
-              <a:t>-app=</a:t>
-            </a:r>
-            <a:r>
-              <a:rPr lang="en-US" sz="1400" dirty="0">
-                <a:solidFill>
-                  <a:srgbClr val="E6DB74"/>
-                </a:solidFill>
-                <a:latin typeface="Menlo"/>
-              </a:rPr>
-              <a:t>"</a:t>
-            </a:r>
-            <a:r>
-              <a:rPr lang="en-US" sz="1400" dirty="0" err="1">
-                <a:solidFill>
-                  <a:srgbClr val="E6DB74"/>
-                </a:solidFill>
-                <a:latin typeface="Menlo"/>
-              </a:rPr>
-              <a:t>myModule</a:t>
-            </a:r>
-            <a:r>
-              <a:rPr lang="en-US" sz="1400" dirty="0">
-                <a:solidFill>
-                  <a:srgbClr val="E6DB74"/>
-                </a:solidFill>
-                <a:latin typeface="Menlo"/>
-              </a:rPr>
-              <a:t>"</a:t>
-            </a:r>
-            <a:r>
-              <a:rPr lang="en-US" sz="1400" dirty="0">
-                <a:solidFill>
-                  <a:srgbClr val="F92672"/>
-                </a:solidFill>
-                <a:latin typeface="Menlo"/>
-              </a:rPr>
-              <a:t>&gt;</a:t>
-            </a:r>
-            <a:endParaRPr lang="en-US" sz="1400" dirty="0">
-              <a:solidFill>
-                <a:srgbClr val="F8F8F2"/>
-              </a:solidFill>
-              <a:latin typeface="Menlo"/>
-            </a:endParaRPr>
-          </a:p>
-          <a:p>
-            <a:r>
-              <a:rPr lang="en-US" sz="1400" dirty="0">
-                <a:solidFill>
-                  <a:srgbClr val="F92672"/>
-                </a:solidFill>
-                <a:latin typeface="Menlo"/>
-              </a:rPr>
-              <a:t>&lt;head&gt;</a:t>
-            </a:r>
-            <a:endParaRPr lang="en-US" sz="1400" dirty="0">
-              <a:solidFill>
-                <a:srgbClr val="F8F8F2"/>
-              </a:solidFill>
-              <a:latin typeface="Menlo"/>
-            </a:endParaRPr>
-          </a:p>
-          <a:p>
-            <a:r>
-              <a:rPr lang="en-US" sz="1400" dirty="0">
-                <a:solidFill>
-                  <a:srgbClr val="F8F8F2"/>
-                </a:solidFill>
-                <a:latin typeface="Menlo"/>
-              </a:rPr>
-              <a:t>  </a:t>
-            </a:r>
-            <a:r>
-              <a:rPr lang="en-US" sz="1400" dirty="0">
-                <a:solidFill>
-                  <a:srgbClr val="F92672"/>
-                </a:solidFill>
-                <a:latin typeface="Menlo"/>
-              </a:rPr>
-              <a:t>&lt;meta</a:t>
-            </a:r>
-            <a:r>
-              <a:rPr lang="en-US" sz="1400" dirty="0">
-                <a:solidFill>
-                  <a:srgbClr val="F8F8F2"/>
-                </a:solidFill>
-                <a:latin typeface="Menlo"/>
-              </a:rPr>
-              <a:t> </a:t>
-            </a:r>
-            <a:r>
-              <a:rPr lang="en-US" sz="1400" dirty="0">
-                <a:solidFill>
-                  <a:srgbClr val="A6E22E"/>
-                </a:solidFill>
-                <a:latin typeface="Menlo"/>
-              </a:rPr>
-              <a:t>charset=</a:t>
-            </a:r>
-            <a:r>
-              <a:rPr lang="en-US" sz="1400" dirty="0">
-                <a:solidFill>
-                  <a:srgbClr val="E6DB74"/>
-                </a:solidFill>
-                <a:latin typeface="Menlo"/>
-              </a:rPr>
-              <a:t>"utf-8"</a:t>
-            </a:r>
-            <a:r>
-              <a:rPr lang="en-US" sz="1400" dirty="0">
-                <a:solidFill>
-                  <a:srgbClr val="F92672"/>
-                </a:solidFill>
-                <a:latin typeface="Menlo"/>
-              </a:rPr>
-              <a:t>&gt;</a:t>
-            </a:r>
-            <a:endParaRPr lang="en-US" sz="1400" dirty="0">
-              <a:solidFill>
-                <a:srgbClr val="F8F8F2"/>
-              </a:solidFill>
-              <a:latin typeface="Menlo"/>
-            </a:endParaRPr>
-          </a:p>
-          <a:p>
-            <a:r>
-              <a:rPr lang="en-US" sz="1400" dirty="0">
-                <a:solidFill>
-                  <a:srgbClr val="F8F8F2"/>
-                </a:solidFill>
-                <a:latin typeface="Menlo"/>
-              </a:rPr>
-              <a:t>  </a:t>
-            </a:r>
-            <a:r>
-              <a:rPr lang="en-US" sz="1400" dirty="0">
-                <a:solidFill>
-                  <a:srgbClr val="F92672"/>
-                </a:solidFill>
-                <a:latin typeface="Menlo"/>
-              </a:rPr>
-              <a:t>&lt;title&gt;</a:t>
-            </a:r>
-            <a:r>
-              <a:rPr lang="en-US" sz="1400" dirty="0" err="1">
-                <a:solidFill>
-                  <a:srgbClr val="F8F8F2"/>
-                </a:solidFill>
-                <a:latin typeface="Menlo"/>
-              </a:rPr>
-              <a:t>ng-bootcamp</a:t>
-            </a:r>
-            <a:r>
-              <a:rPr lang="en-US" sz="1400" dirty="0">
-                <a:solidFill>
-                  <a:srgbClr val="F8F8F2"/>
-                </a:solidFill>
-                <a:latin typeface="Menlo"/>
-              </a:rPr>
-              <a:t> - Day 2</a:t>
-            </a:r>
-            <a:r>
-              <a:rPr lang="en-US" sz="1400" dirty="0">
-                <a:solidFill>
-                  <a:srgbClr val="F92672"/>
-                </a:solidFill>
-                <a:latin typeface="Menlo"/>
-              </a:rPr>
-              <a:t>&lt;/title&gt;</a:t>
-            </a:r>
-            <a:endParaRPr lang="en-US" sz="1400" dirty="0">
-              <a:solidFill>
-                <a:srgbClr val="F8F8F2"/>
-              </a:solidFill>
-              <a:latin typeface="Menlo"/>
-            </a:endParaRPr>
-          </a:p>
-          <a:p>
-            <a:r>
-              <a:rPr lang="en-US" sz="1400" dirty="0">
-                <a:solidFill>
-                  <a:srgbClr val="F8F8F2"/>
-                </a:solidFill>
-                <a:latin typeface="Menlo"/>
-              </a:rPr>
-              <a:t>  </a:t>
-            </a:r>
-            <a:r>
-              <a:rPr lang="en-US" sz="1400" dirty="0">
-                <a:solidFill>
-                  <a:srgbClr val="F92672"/>
-                </a:solidFill>
-                <a:latin typeface="Menlo"/>
-              </a:rPr>
-              <a:t>&lt;link</a:t>
-            </a:r>
-            <a:r>
-              <a:rPr lang="en-US" sz="1400" dirty="0">
-                <a:solidFill>
-                  <a:srgbClr val="F8F8F2"/>
-                </a:solidFill>
-                <a:latin typeface="Menlo"/>
-              </a:rPr>
-              <a:t> </a:t>
-            </a:r>
-            <a:r>
-              <a:rPr lang="en-US" sz="1400" dirty="0" err="1">
-                <a:solidFill>
-                  <a:srgbClr val="A6E22E"/>
-                </a:solidFill>
-                <a:latin typeface="Menlo"/>
-              </a:rPr>
-              <a:t>rel</a:t>
-            </a:r>
-            <a:r>
-              <a:rPr lang="en-US" sz="1400" dirty="0">
-                <a:solidFill>
-                  <a:srgbClr val="A6E22E"/>
-                </a:solidFill>
-                <a:latin typeface="Menlo"/>
-              </a:rPr>
-              <a:t>=</a:t>
-            </a:r>
-            <a:r>
-              <a:rPr lang="en-US" sz="1400" dirty="0">
-                <a:solidFill>
-                  <a:srgbClr val="E6DB74"/>
-                </a:solidFill>
-                <a:latin typeface="Menlo"/>
-              </a:rPr>
-              <a:t>"</a:t>
-            </a:r>
-            <a:r>
-              <a:rPr lang="en-US" sz="1400" dirty="0" err="1">
-                <a:solidFill>
-                  <a:srgbClr val="E6DB74"/>
-                </a:solidFill>
-                <a:latin typeface="Menlo"/>
-              </a:rPr>
-              <a:t>stylesheet</a:t>
-            </a:r>
-            <a:r>
-              <a:rPr lang="en-US" sz="1400" dirty="0">
-                <a:solidFill>
-                  <a:srgbClr val="E6DB74"/>
-                </a:solidFill>
-                <a:latin typeface="Menlo"/>
-              </a:rPr>
-              <a:t>"</a:t>
-            </a:r>
-            <a:r>
-              <a:rPr lang="en-US" sz="1400" dirty="0">
-                <a:solidFill>
-                  <a:srgbClr val="F8F8F2"/>
-                </a:solidFill>
-                <a:latin typeface="Menlo"/>
-              </a:rPr>
-              <a:t> </a:t>
-            </a:r>
-            <a:r>
-              <a:rPr lang="en-US" sz="1400" dirty="0" err="1">
-                <a:solidFill>
-                  <a:srgbClr val="A6E22E"/>
-                </a:solidFill>
-                <a:latin typeface="Menlo"/>
-              </a:rPr>
-              <a:t>href</a:t>
-            </a:r>
-            <a:r>
-              <a:rPr lang="en-US" sz="1400" dirty="0">
-                <a:solidFill>
-                  <a:srgbClr val="A6E22E"/>
-                </a:solidFill>
-                <a:latin typeface="Menlo"/>
-              </a:rPr>
-              <a:t>=</a:t>
-            </a:r>
-            <a:r>
-              <a:rPr lang="en-US" sz="1400" dirty="0">
-                <a:solidFill>
-                  <a:srgbClr val="E6DB74"/>
-                </a:solidFill>
-                <a:latin typeface="Menlo"/>
-              </a:rPr>
-              <a:t>"</a:t>
-            </a:r>
-            <a:r>
-              <a:rPr lang="en-US" sz="1400" dirty="0" err="1">
-                <a:solidFill>
-                  <a:srgbClr val="E6DB74"/>
-                </a:solidFill>
-                <a:latin typeface="Menlo"/>
-              </a:rPr>
-              <a:t>bower_components</a:t>
-            </a:r>
-            <a:r>
-              <a:rPr lang="en-US" sz="1400" dirty="0">
-                <a:solidFill>
-                  <a:srgbClr val="E6DB74"/>
-                </a:solidFill>
-                <a:latin typeface="Menlo"/>
-              </a:rPr>
-              <a:t>/bootstrap/</a:t>
-            </a:r>
-            <a:r>
-              <a:rPr lang="en-US" sz="1400" dirty="0" err="1">
-                <a:solidFill>
-                  <a:srgbClr val="E6DB74"/>
-                </a:solidFill>
-                <a:latin typeface="Menlo"/>
-              </a:rPr>
-              <a:t>dist</a:t>
-            </a:r>
-            <a:r>
-              <a:rPr lang="en-US" sz="1400" dirty="0">
-                <a:solidFill>
-                  <a:srgbClr val="E6DB74"/>
-                </a:solidFill>
-                <a:latin typeface="Menlo"/>
-              </a:rPr>
-              <a:t>/</a:t>
-            </a:r>
-            <a:r>
-              <a:rPr lang="en-US" sz="1400" dirty="0" err="1">
-                <a:solidFill>
-                  <a:srgbClr val="E6DB74"/>
-                </a:solidFill>
-                <a:latin typeface="Menlo"/>
-              </a:rPr>
-              <a:t>css</a:t>
-            </a:r>
-            <a:r>
-              <a:rPr lang="en-US" sz="1400" dirty="0">
-                <a:solidFill>
-                  <a:srgbClr val="E6DB74"/>
-                </a:solidFill>
-                <a:latin typeface="Menlo"/>
-              </a:rPr>
-              <a:t>/</a:t>
-            </a:r>
-            <a:r>
-              <a:rPr lang="en-US" sz="1400" dirty="0" err="1">
-                <a:solidFill>
-                  <a:srgbClr val="E6DB74"/>
-                </a:solidFill>
-                <a:latin typeface="Menlo"/>
-              </a:rPr>
-              <a:t>bootstrap.css</a:t>
-            </a:r>
-            <a:r>
-              <a:rPr lang="en-US" sz="1400" dirty="0">
-                <a:solidFill>
-                  <a:srgbClr val="E6DB74"/>
-                </a:solidFill>
-                <a:latin typeface="Menlo"/>
-              </a:rPr>
-              <a:t>"</a:t>
-            </a:r>
-            <a:r>
-              <a:rPr lang="en-US" sz="1400" dirty="0">
-                <a:solidFill>
-                  <a:srgbClr val="F8F8F2"/>
-                </a:solidFill>
-                <a:latin typeface="Menlo"/>
-              </a:rPr>
-              <a:t> </a:t>
-            </a:r>
-            <a:r>
-              <a:rPr lang="en-US" sz="1400" dirty="0">
-                <a:solidFill>
-                  <a:srgbClr val="F92672"/>
-                </a:solidFill>
-                <a:latin typeface="Menlo"/>
-              </a:rPr>
-              <a:t>/&gt;</a:t>
-            </a:r>
-            <a:endParaRPr lang="en-US" sz="1400" dirty="0">
-              <a:solidFill>
-                <a:srgbClr val="F8F8F2"/>
-              </a:solidFill>
-              <a:latin typeface="Menlo"/>
-            </a:endParaRPr>
-          </a:p>
-          <a:p>
-            <a:r>
-              <a:rPr lang="en-US" sz="1400" dirty="0">
-                <a:solidFill>
-                  <a:srgbClr val="F92672"/>
-                </a:solidFill>
-                <a:latin typeface="Menlo"/>
-              </a:rPr>
-              <a:t>&lt;/head&gt;</a:t>
-            </a:r>
-            <a:endParaRPr lang="en-US" sz="1400" dirty="0">
-              <a:solidFill>
-                <a:srgbClr val="F8F8F2"/>
-              </a:solidFill>
-              <a:latin typeface="Menlo"/>
-            </a:endParaRPr>
-          </a:p>
-          <a:p>
-            <a:r>
-              <a:rPr lang="en-US" sz="1400" dirty="0">
-                <a:solidFill>
-                  <a:srgbClr val="F92672"/>
-                </a:solidFill>
-                <a:latin typeface="Menlo"/>
-              </a:rPr>
-              <a:t>&lt;body</a:t>
-            </a:r>
-            <a:r>
-              <a:rPr lang="en-US" sz="1400" dirty="0">
-                <a:solidFill>
-                  <a:srgbClr val="F8F8F2"/>
-                </a:solidFill>
-                <a:latin typeface="Menlo"/>
-              </a:rPr>
-              <a:t> </a:t>
-            </a:r>
-            <a:r>
-              <a:rPr lang="en-US" sz="1400" dirty="0" err="1">
-                <a:solidFill>
-                  <a:srgbClr val="A6E22E"/>
-                </a:solidFill>
-                <a:latin typeface="Menlo"/>
-              </a:rPr>
-              <a:t>ng</a:t>
-            </a:r>
-            <a:r>
-              <a:rPr lang="en-US" sz="1400" dirty="0">
-                <a:solidFill>
-                  <a:srgbClr val="A6E22E"/>
-                </a:solidFill>
-                <a:latin typeface="Menlo"/>
-              </a:rPr>
-              <a:t>-controller=</a:t>
-            </a:r>
-            <a:r>
-              <a:rPr lang="en-US" sz="1400" dirty="0">
-                <a:solidFill>
-                  <a:srgbClr val="E6DB74"/>
-                </a:solidFill>
-                <a:latin typeface="Menlo"/>
-              </a:rPr>
-              <a:t>"</a:t>
-            </a:r>
-            <a:r>
-              <a:rPr lang="en-US" sz="1400" dirty="0" err="1">
-                <a:solidFill>
-                  <a:srgbClr val="E6DB74"/>
-                </a:solidFill>
-                <a:latin typeface="Menlo"/>
-              </a:rPr>
-              <a:t>MyController</a:t>
-            </a:r>
-            <a:r>
-              <a:rPr lang="en-US" sz="1400" dirty="0">
-                <a:solidFill>
-                  <a:srgbClr val="E6DB74"/>
-                </a:solidFill>
-                <a:latin typeface="Menlo"/>
-              </a:rPr>
-              <a:t>"</a:t>
-            </a:r>
-            <a:r>
-              <a:rPr lang="en-US" sz="1400" dirty="0">
-                <a:solidFill>
-                  <a:srgbClr val="F8F8F2"/>
-                </a:solidFill>
-                <a:latin typeface="Menlo"/>
-              </a:rPr>
-              <a:t> </a:t>
-            </a:r>
-            <a:r>
-              <a:rPr lang="en-US" sz="1400" dirty="0">
-                <a:solidFill>
-                  <a:srgbClr val="A6E22E"/>
-                </a:solidFill>
-                <a:latin typeface="Menlo"/>
-              </a:rPr>
-              <a:t>class=</a:t>
-            </a:r>
-            <a:r>
-              <a:rPr lang="en-US" sz="1400" dirty="0">
-                <a:solidFill>
-                  <a:srgbClr val="E6DB74"/>
-                </a:solidFill>
-                <a:latin typeface="Menlo"/>
-              </a:rPr>
-              <a:t>"container"</a:t>
-            </a:r>
-            <a:r>
-              <a:rPr lang="en-US" sz="1400" dirty="0">
-                <a:solidFill>
-                  <a:srgbClr val="F92672"/>
-                </a:solidFill>
-                <a:latin typeface="Menlo"/>
-              </a:rPr>
-              <a:t>&gt;</a:t>
-            </a:r>
-            <a:endParaRPr lang="en-US" sz="1400" dirty="0">
-              <a:solidFill>
-                <a:srgbClr val="F8F8F2"/>
-              </a:solidFill>
-              <a:latin typeface="Menlo"/>
-            </a:endParaRPr>
-          </a:p>
-          <a:p>
-            <a:r>
-              <a:rPr lang="it-IT" sz="1400" dirty="0">
-                <a:solidFill>
-                  <a:srgbClr val="F8F8F2"/>
-                </a:solidFill>
-                <a:latin typeface="Menlo"/>
-              </a:rPr>
-              <a:t>  </a:t>
-            </a:r>
-            <a:r>
-              <a:rPr lang="it-IT" sz="1400" dirty="0">
-                <a:solidFill>
-                  <a:srgbClr val="F92672"/>
-                </a:solidFill>
-                <a:latin typeface="Menlo"/>
-              </a:rPr>
-              <a:t>&lt;h1&gt;</a:t>
-            </a:r>
-            <a:r>
-              <a:rPr lang="it-IT" sz="1400" dirty="0">
-                <a:solidFill>
-                  <a:srgbClr val="F8F8F2"/>
-                </a:solidFill>
-                <a:latin typeface="Menlo"/>
-              </a:rPr>
-              <a:t>{{'Hello ' + </a:t>
-            </a:r>
-            <a:r>
-              <a:rPr lang="it-IT" sz="1400" dirty="0" err="1">
-                <a:solidFill>
-                  <a:srgbClr val="F8F8F2"/>
-                </a:solidFill>
-                <a:latin typeface="Menlo"/>
-              </a:rPr>
-              <a:t>name</a:t>
-            </a:r>
-            <a:r>
-              <a:rPr lang="it-IT" sz="1400" dirty="0">
-                <a:solidFill>
-                  <a:srgbClr val="F8F8F2"/>
-                </a:solidFill>
-                <a:latin typeface="Menlo"/>
-              </a:rPr>
-              <a:t>}}</a:t>
-            </a:r>
-            <a:r>
-              <a:rPr lang="it-IT" sz="1400" dirty="0">
-                <a:solidFill>
-                  <a:srgbClr val="F92672"/>
-                </a:solidFill>
-                <a:latin typeface="Menlo"/>
-              </a:rPr>
-              <a:t>&lt;/h1&gt;</a:t>
-            </a:r>
-            <a:endParaRPr lang="it-IT" sz="1400" dirty="0">
-              <a:solidFill>
-                <a:srgbClr val="F8F8F2"/>
-              </a:solidFill>
-              <a:latin typeface="Menlo"/>
-            </a:endParaRPr>
-          </a:p>
-          <a:p>
-            <a:endParaRPr lang="it-IT" sz="1400" dirty="0">
-              <a:solidFill>
-                <a:srgbClr val="F8F8F2"/>
-              </a:solidFill>
-              <a:latin typeface="Menlo"/>
-            </a:endParaRPr>
-          </a:p>
-          <a:p>
-            <a:r>
-              <a:rPr lang="it-IT" sz="1400" dirty="0">
-                <a:solidFill>
-                  <a:srgbClr val="F8F8F2"/>
-                </a:solidFill>
-                <a:latin typeface="Menlo"/>
-              </a:rPr>
-              <a:t>  </a:t>
-            </a:r>
-            <a:r>
-              <a:rPr lang="it-IT" sz="1400" dirty="0">
-                <a:solidFill>
-                  <a:srgbClr val="F92672"/>
-                </a:solidFill>
-                <a:latin typeface="Menlo"/>
-              </a:rPr>
-              <a:t>&lt;script </a:t>
-            </a:r>
-            <a:r>
-              <a:rPr lang="it-IT" sz="1400" dirty="0" err="1">
-                <a:solidFill>
-                  <a:srgbClr val="A6E22E"/>
-                </a:solidFill>
-                <a:latin typeface="Menlo"/>
-              </a:rPr>
-              <a:t>src</a:t>
-            </a:r>
-            <a:r>
-              <a:rPr lang="it-IT" sz="1400" dirty="0">
-                <a:solidFill>
-                  <a:srgbClr val="A6E22E"/>
-                </a:solidFill>
-                <a:latin typeface="Menlo"/>
-              </a:rPr>
-              <a:t>=</a:t>
-            </a:r>
-            <a:r>
-              <a:rPr lang="it-IT" sz="1400" dirty="0">
-                <a:solidFill>
-                  <a:srgbClr val="E6DB74"/>
-                </a:solidFill>
-                <a:latin typeface="Menlo"/>
-              </a:rPr>
-              <a:t>"</a:t>
-            </a:r>
-            <a:r>
-              <a:rPr lang="it-IT" sz="1400" dirty="0" err="1">
-                <a:solidFill>
-                  <a:srgbClr val="E6DB74"/>
-                </a:solidFill>
-                <a:latin typeface="Menlo"/>
-              </a:rPr>
-              <a:t>bower_components</a:t>
-            </a:r>
-            <a:r>
-              <a:rPr lang="it-IT" sz="1400" dirty="0">
-                <a:solidFill>
-                  <a:srgbClr val="E6DB74"/>
-                </a:solidFill>
-                <a:latin typeface="Menlo"/>
-              </a:rPr>
-              <a:t>/</a:t>
-            </a:r>
-            <a:r>
-              <a:rPr lang="it-IT" sz="1400" dirty="0" err="1">
-                <a:solidFill>
-                  <a:srgbClr val="E6DB74"/>
-                </a:solidFill>
-                <a:latin typeface="Menlo"/>
-              </a:rPr>
-              <a:t>angular</a:t>
-            </a:r>
-            <a:r>
-              <a:rPr lang="it-IT" sz="1400" dirty="0">
-                <a:solidFill>
-                  <a:srgbClr val="E6DB74"/>
-                </a:solidFill>
-                <a:latin typeface="Menlo"/>
-              </a:rPr>
-              <a:t>/</a:t>
-            </a:r>
-            <a:r>
-              <a:rPr lang="it-IT" sz="1400" dirty="0" err="1">
-                <a:solidFill>
-                  <a:srgbClr val="E6DB74"/>
-                </a:solidFill>
-                <a:latin typeface="Menlo"/>
-              </a:rPr>
-              <a:t>angular.min.js</a:t>
-            </a:r>
-            <a:r>
-              <a:rPr lang="it-IT" sz="1400" dirty="0">
-                <a:solidFill>
-                  <a:srgbClr val="E6DB74"/>
-                </a:solidFill>
-                <a:latin typeface="Menlo"/>
-              </a:rPr>
-              <a:t>"</a:t>
-            </a:r>
-            <a:r>
-              <a:rPr lang="it-IT" sz="1400" dirty="0">
-                <a:solidFill>
-                  <a:srgbClr val="F92672"/>
-                </a:solidFill>
-                <a:latin typeface="Menlo"/>
-              </a:rPr>
-              <a:t>&gt;&lt;/script&gt;</a:t>
-            </a:r>
-            <a:endParaRPr lang="it-IT" sz="1400" dirty="0">
-              <a:solidFill>
-                <a:srgbClr val="F8F8F2"/>
-              </a:solidFill>
-              <a:latin typeface="Menlo"/>
-            </a:endParaRPr>
-          </a:p>
-          <a:p>
-            <a:r>
-              <a:rPr lang="it-IT" sz="1400" dirty="0">
-                <a:solidFill>
-                  <a:srgbClr val="F8F8F2"/>
-                </a:solidFill>
-                <a:latin typeface="Menlo"/>
-              </a:rPr>
-              <a:t>  </a:t>
-            </a:r>
-            <a:r>
-              <a:rPr lang="it-IT" sz="1400" dirty="0">
-                <a:solidFill>
-                  <a:srgbClr val="F92672"/>
-                </a:solidFill>
-                <a:latin typeface="Menlo"/>
-              </a:rPr>
-              <a:t>&lt;script </a:t>
-            </a:r>
-            <a:r>
-              <a:rPr lang="it-IT" sz="1400" dirty="0" err="1">
-                <a:solidFill>
-                  <a:srgbClr val="A6E22E"/>
-                </a:solidFill>
-                <a:latin typeface="Menlo"/>
-              </a:rPr>
-              <a:t>src</a:t>
-            </a:r>
-            <a:r>
-              <a:rPr lang="it-IT" sz="1400" dirty="0">
-                <a:solidFill>
-                  <a:srgbClr val="A6E22E"/>
-                </a:solidFill>
-                <a:latin typeface="Menlo"/>
-              </a:rPr>
-              <a:t>=</a:t>
-            </a:r>
-            <a:r>
-              <a:rPr lang="it-IT" sz="1400" dirty="0">
-                <a:solidFill>
-                  <a:srgbClr val="E6DB74"/>
-                </a:solidFill>
-                <a:latin typeface="Menlo"/>
-              </a:rPr>
-              <a:t>"</a:t>
-            </a:r>
-            <a:r>
-              <a:rPr lang="it-IT" sz="1400" dirty="0" err="1">
-                <a:solidFill>
-                  <a:srgbClr val="E6DB74"/>
-                </a:solidFill>
-                <a:latin typeface="Menlo"/>
-              </a:rPr>
-              <a:t>app</a:t>
-            </a:r>
-            <a:r>
-              <a:rPr lang="it-IT" sz="1400" dirty="0">
-                <a:solidFill>
-                  <a:srgbClr val="E6DB74"/>
-                </a:solidFill>
-                <a:latin typeface="Menlo"/>
-              </a:rPr>
-              <a:t>/</a:t>
-            </a:r>
-            <a:r>
-              <a:rPr lang="it-IT" sz="1400" dirty="0" err="1">
-                <a:solidFill>
-                  <a:srgbClr val="E6DB74"/>
-                </a:solidFill>
-                <a:latin typeface="Menlo"/>
-              </a:rPr>
-              <a:t>app.js</a:t>
-            </a:r>
-            <a:r>
-              <a:rPr lang="it-IT" sz="1400" dirty="0">
-                <a:solidFill>
-                  <a:srgbClr val="E6DB74"/>
-                </a:solidFill>
-                <a:latin typeface="Menlo"/>
-              </a:rPr>
-              <a:t>"</a:t>
-            </a:r>
-            <a:r>
-              <a:rPr lang="it-IT" sz="1400" dirty="0">
-                <a:solidFill>
-                  <a:srgbClr val="F92672"/>
-                </a:solidFill>
-                <a:latin typeface="Menlo"/>
-              </a:rPr>
-              <a:t>&gt;&lt;/script&gt;</a:t>
-            </a:r>
-            <a:endParaRPr lang="it-IT" sz="1400" dirty="0">
-              <a:solidFill>
-                <a:srgbClr val="F8F8F2"/>
-              </a:solidFill>
-              <a:latin typeface="Menlo"/>
-            </a:endParaRPr>
-          </a:p>
-          <a:p>
-            <a:r>
-              <a:rPr lang="it-IT" sz="1400" dirty="0">
-                <a:solidFill>
-                  <a:srgbClr val="F92672"/>
-                </a:solidFill>
-                <a:latin typeface="Menlo"/>
-              </a:rPr>
-              <a:t>&lt;/body&gt;</a:t>
-            </a:r>
-            <a:endParaRPr lang="it-IT" sz="1400" dirty="0">
-              <a:solidFill>
-                <a:srgbClr val="F8F8F2"/>
-              </a:solidFill>
-              <a:latin typeface="Menlo"/>
-            </a:endParaRPr>
-          </a:p>
-          <a:p>
-            <a:r>
-              <a:rPr lang="it-IT" sz="1400" dirty="0">
-                <a:solidFill>
-                  <a:srgbClr val="F92672"/>
-                </a:solidFill>
-                <a:latin typeface="Menlo"/>
-              </a:rPr>
-              <a:t>&lt;/html&gt;</a:t>
-            </a:r>
-            <a:endParaRPr lang="it-IT" sz="1400" dirty="0">
-              <a:solidFill>
-                <a:srgbClr val="F8F8F2"/>
-              </a:solidFill>
-              <a:latin typeface="Menlo"/>
-            </a:endParaRPr>
-          </a:p>
-        </p:txBody>
-      </p:sp>
-    </p:spTree>
-    <p:extLst>
-      <p:ext uri="{BB962C8B-B14F-4D97-AF65-F5344CB8AC3E}">
-        <p14:creationId xmlns:p14="http://schemas.microsoft.com/office/powerpoint/2010/main" val="714090078"/>
-      </p:ext>
-    </p:extLst>
-  </p:cSld>
-  <p:clrMapOvr>
-    <a:masterClrMapping/>
-  </p:clrMapOvr>
-</p:sld>
-</file>
-
-<file path=ppt/slides/slide14.xml><?xml version="1.0" encoding="utf-8"?>
-<p:sld xmlns:a="http://schemas.openxmlformats.org/drawingml/2006/main" xmlns:r="http://schemas.openxmlformats.org/officeDocument/2006/relationships" xmlns:p="http://schemas.openxmlformats.org/presentationml/2006/main">
-  <p:cSld>
-    <p:spTree>
-      <p:nvGrpSpPr>
-        <p:cNvPr id="1" name=""/>
-        <p:cNvGrpSpPr/>
-        <p:nvPr/>
-      </p:nvGrpSpPr>
-      <p:grpSpPr>
-        <a:xfrm>
-          <a:off x="0" y="0"/>
-          <a:ext cx="0" cy="0"/>
-          <a:chOff x="0" y="0"/>
-          <a:chExt cx="0" cy="0"/>
-        </a:xfrm>
-      </p:grpSpPr>
-      <p:sp>
-        <p:nvSpPr>
-          <p:cNvPr id="2" name="Title 1"/>
-          <p:cNvSpPr>
-            <a:spLocks noGrp="1"/>
-          </p:cNvSpPr>
-          <p:nvPr>
-            <p:ph type="title"/>
-          </p:nvPr>
-        </p:nvSpPr>
-        <p:spPr/>
-        <p:txBody>
           <a:bodyPr/>
           <a:lstStyle/>
           <a:p>
@@ -7822,7 +7719,7 @@
 </p:sld>
 </file>
 
-<file path=ppt/slides/slide15.xml><?xml version="1.0" encoding="utf-8"?>
+<file path=ppt/slides/slide14.xml><?xml version="1.0" encoding="utf-8"?>
 <p:sld xmlns:a="http://schemas.openxmlformats.org/drawingml/2006/main" xmlns:r="http://schemas.openxmlformats.org/officeDocument/2006/relationships" xmlns:p="http://schemas.openxmlformats.org/presentationml/2006/main">
   <p:cSld>
     <p:spTree>
@@ -8889,6 +8786,249 @@
     <p:extLst>
       <p:ext uri="{BB962C8B-B14F-4D97-AF65-F5344CB8AC3E}">
         <p14:creationId xmlns:p14="http://schemas.microsoft.com/office/powerpoint/2010/main" val="4009072545"/>
+      </p:ext>
+    </p:extLst>
+  </p:cSld>
+  <p:clrMapOvr>
+    <a:masterClrMapping/>
+  </p:clrMapOvr>
+</p:sld>
+</file>
+
+<file path=ppt/slides/slide15.xml><?xml version="1.0" encoding="utf-8"?>
+<p:sld xmlns:a="http://schemas.openxmlformats.org/drawingml/2006/main" xmlns:r="http://schemas.openxmlformats.org/officeDocument/2006/relationships" xmlns:p="http://schemas.openxmlformats.org/presentationml/2006/main">
+  <p:cSld>
+    <p:spTree>
+      <p:nvGrpSpPr>
+        <p:cNvPr id="1" name=""/>
+        <p:cNvGrpSpPr/>
+        <p:nvPr/>
+      </p:nvGrpSpPr>
+      <p:grpSpPr>
+        <a:xfrm>
+          <a:off x="0" y="0"/>
+          <a:ext cx="0" cy="0"/>
+          <a:chOff x="0" y="0"/>
+          <a:chExt cx="0" cy="0"/>
+        </a:xfrm>
+      </p:grpSpPr>
+      <p:sp>
+        <p:nvSpPr>
+          <p:cNvPr id="2" name="Title 1"/>
+          <p:cNvSpPr>
+            <a:spLocks noGrp="1"/>
+          </p:cNvSpPr>
+          <p:nvPr>
+            <p:ph type="title"/>
+          </p:nvPr>
+        </p:nvSpPr>
+        <p:spPr/>
+        <p:txBody>
+          <a:bodyPr/>
+          <a:lstStyle/>
+          <a:p>
+            <a:r>
+              <a:rPr lang="en-US" dirty="0" smtClean="0"/>
+              <a:t>Module Dependencies</a:t>
+            </a:r>
+            <a:endParaRPr lang="en-US" dirty="0"/>
+          </a:p>
+        </p:txBody>
+      </p:sp>
+      <p:sp>
+        <p:nvSpPr>
+          <p:cNvPr id="3" name="Content Placeholder 2"/>
+          <p:cNvSpPr>
+            <a:spLocks noGrp="1"/>
+          </p:cNvSpPr>
+          <p:nvPr>
+            <p:ph idx="1"/>
+          </p:nvPr>
+        </p:nvSpPr>
+        <p:spPr/>
+        <p:txBody>
+          <a:bodyPr/>
+          <a:lstStyle/>
+          <a:p>
+            <a:r>
+              <a:rPr lang="en-US" dirty="0" smtClean="0"/>
+              <a:t>Modules can depend on other modules</a:t>
+            </a:r>
+          </a:p>
+          <a:p>
+            <a:pPr lvl="1"/>
+            <a:r>
+              <a:rPr lang="en-US" dirty="0" smtClean="0"/>
+              <a:t>Dependencies will be loaded and configured before the requiring module</a:t>
+            </a:r>
+          </a:p>
+          <a:p>
+            <a:pPr lvl="1"/>
+            <a:r>
+              <a:rPr lang="en-US" dirty="0" smtClean="0"/>
+              <a:t>Controllers and services defined in dependency will be available for use in the requiring module</a:t>
+            </a:r>
+          </a:p>
+        </p:txBody>
+      </p:sp>
+      <p:sp>
+        <p:nvSpPr>
+          <p:cNvPr id="7" name="Rectangle 6"/>
+          <p:cNvSpPr/>
+          <p:nvPr/>
+        </p:nvSpPr>
+        <p:spPr>
+          <a:xfrm>
+            <a:off x="2465706" y="4185347"/>
+            <a:ext cx="4207347" cy="923330"/>
+          </a:xfrm>
+          <a:prstGeom prst="rect">
+            <a:avLst/>
+          </a:prstGeom>
+        </p:spPr>
+        <p:txBody>
+          <a:bodyPr wrap="square">
+            <a:spAutoFit/>
+          </a:bodyPr>
+          <a:lstStyle/>
+          <a:p>
+            <a:r>
+              <a:rPr lang="en-US" dirty="0" err="1">
+                <a:solidFill>
+                  <a:srgbClr val="A6E22E"/>
+                </a:solidFill>
+                <a:latin typeface="Menlo"/>
+              </a:rPr>
+              <a:t>angular</a:t>
+            </a:r>
+            <a:r>
+              <a:rPr lang="en-US" dirty="0" err="1">
+                <a:solidFill>
+                  <a:srgbClr val="F8F8F2"/>
+                </a:solidFill>
+                <a:latin typeface="Menlo"/>
+              </a:rPr>
+              <a:t>.</a:t>
+            </a:r>
+            <a:r>
+              <a:rPr lang="en-US" dirty="0" err="1">
+                <a:solidFill>
+                  <a:srgbClr val="A6E22E"/>
+                </a:solidFill>
+                <a:latin typeface="Menlo"/>
+              </a:rPr>
+              <a:t>module</a:t>
+            </a:r>
+            <a:r>
+              <a:rPr lang="en-US" dirty="0">
+                <a:solidFill>
+                  <a:srgbClr val="F8F8F2"/>
+                </a:solidFill>
+                <a:latin typeface="Menlo"/>
+              </a:rPr>
+              <a:t>(</a:t>
+            </a:r>
+            <a:r>
+              <a:rPr lang="en-US" dirty="0">
+                <a:solidFill>
+                  <a:srgbClr val="E6DB74"/>
+                </a:solidFill>
+                <a:latin typeface="Menlo"/>
+              </a:rPr>
+              <a:t>'</a:t>
+            </a:r>
+            <a:r>
+              <a:rPr lang="en-US" dirty="0" err="1">
+                <a:solidFill>
+                  <a:srgbClr val="E6DB74"/>
+                </a:solidFill>
+                <a:latin typeface="Menlo"/>
+              </a:rPr>
+              <a:t>myModule</a:t>
+            </a:r>
+            <a:r>
+              <a:rPr lang="en-US" dirty="0">
+                <a:solidFill>
+                  <a:srgbClr val="E6DB74"/>
+                </a:solidFill>
+                <a:latin typeface="Menlo"/>
+              </a:rPr>
+              <a:t>'</a:t>
+            </a:r>
+            <a:r>
+              <a:rPr lang="en-US" dirty="0">
+                <a:solidFill>
+                  <a:srgbClr val="F8F8F2"/>
+                </a:solidFill>
+                <a:latin typeface="Menlo"/>
+              </a:rPr>
+              <a:t>, [</a:t>
+            </a:r>
+          </a:p>
+          <a:p>
+            <a:r>
+              <a:rPr lang="en-US" dirty="0">
+                <a:solidFill>
+                  <a:srgbClr val="F8F8F2"/>
+                </a:solidFill>
+                <a:latin typeface="Menlo"/>
+              </a:rPr>
+              <a:t>  </a:t>
+            </a:r>
+            <a:r>
+              <a:rPr lang="en-US" dirty="0">
+                <a:solidFill>
+                  <a:srgbClr val="E6DB74"/>
+                </a:solidFill>
+                <a:latin typeface="Menlo"/>
+              </a:rPr>
+              <a:t>'moduleDependency1'</a:t>
+            </a:r>
+            <a:r>
+              <a:rPr lang="en-US" dirty="0">
+                <a:solidFill>
+                  <a:srgbClr val="F8F8F2"/>
+                </a:solidFill>
+                <a:latin typeface="Menlo"/>
+              </a:rPr>
+              <a:t>, </a:t>
+            </a:r>
+          </a:p>
+          <a:p>
+            <a:r>
+              <a:rPr lang="en-US" dirty="0">
+                <a:solidFill>
+                  <a:srgbClr val="F8F8F2"/>
+                </a:solidFill>
+                <a:latin typeface="Menlo"/>
+              </a:rPr>
+              <a:t>  </a:t>
+            </a:r>
+            <a:r>
+              <a:rPr lang="en-US" dirty="0">
+                <a:solidFill>
+                  <a:srgbClr val="E6DB74"/>
+                </a:solidFill>
+                <a:latin typeface="Menlo"/>
+              </a:rPr>
+              <a:t>'moduleDependency2'</a:t>
+            </a:r>
+            <a:r>
+              <a:rPr lang="en-US" dirty="0">
+                <a:solidFill>
+                  <a:srgbClr val="F8F8F2"/>
+                </a:solidFill>
+                <a:latin typeface="Menlo"/>
+              </a:rPr>
+              <a:t>]);</a:t>
+            </a:r>
+          </a:p>
+        </p:txBody>
+      </p:sp>
+    </p:spTree>
+    <p:extLst>
+      <p:ext uri="{BB962C8B-B14F-4D97-AF65-F5344CB8AC3E}">
+        <p14:creationId xmlns:p14="http://schemas.microsoft.com/office/powerpoint/2010/main" val="1653711393"/>
       </p:ext>
     </p:extLst>
   </p:cSld>
@@ -8932,7 +9072,7 @@
           <a:p>
             <a:r>
               <a:rPr lang="en-US" dirty="0" smtClean="0"/>
-              <a:t>Module Dependencies</a:t>
+              <a:t>// TODO</a:t>
             </a:r>
             <a:endParaRPr lang="en-US" dirty="0"/>
           </a:p>
@@ -8955,183 +9095,44 @@
           <a:p>
             <a:r>
               <a:rPr lang="en-US" dirty="0" smtClean="0"/>
-              <a:t>Modules can depend on other modules</a:t>
+              <a:t>Define two modules </a:t>
             </a:r>
           </a:p>
           <a:p>
             <a:pPr lvl="1"/>
             <a:r>
               <a:rPr lang="en-US" dirty="0" smtClean="0"/>
-              <a:t>Dependencies will be loaded and configured before the requiring module</a:t>
+              <a:t>App</a:t>
             </a:r>
           </a:p>
           <a:p>
             <a:pPr lvl="1"/>
             <a:r>
               <a:rPr lang="en-US" dirty="0" smtClean="0"/>
-              <a:t>Controllers and services defined in dependency will be available for use in the requiring module</a:t>
-            </a:r>
-          </a:p>
-        </p:txBody>
-      </p:sp>
-      <p:sp>
-        <p:nvSpPr>
-          <p:cNvPr id="7" name="Rectangle 6"/>
-          <p:cNvSpPr/>
-          <p:nvPr/>
-        </p:nvSpPr>
-        <p:spPr>
-          <a:xfrm>
-            <a:off x="2465706" y="4185347"/>
-            <a:ext cx="4207347" cy="923330"/>
-          </a:xfrm>
-          <a:prstGeom prst="rect">
-            <a:avLst/>
-          </a:prstGeom>
-        </p:spPr>
-        <p:txBody>
-          <a:bodyPr wrap="square">
-            <a:spAutoFit/>
-          </a:bodyPr>
-          <a:lstStyle/>
-          <a:p>
-            <a:r>
-              <a:rPr lang="en-US" dirty="0" err="1">
-                <a:solidFill>
-                  <a:srgbClr val="A6E22E"/>
-                </a:solidFill>
-                <a:latin typeface="Menlo"/>
-              </a:rPr>
-              <a:t>angular</a:t>
-            </a:r>
-            <a:r>
-              <a:rPr lang="en-US" dirty="0" err="1">
-                <a:solidFill>
-                  <a:srgbClr val="F8F8F2"/>
-                </a:solidFill>
-                <a:latin typeface="Menlo"/>
-              </a:rPr>
-              <a:t>.</a:t>
-            </a:r>
-            <a:r>
-              <a:rPr lang="en-US" dirty="0" err="1">
-                <a:solidFill>
-                  <a:srgbClr val="A6E22E"/>
-                </a:solidFill>
-                <a:latin typeface="Menlo"/>
-              </a:rPr>
-              <a:t>module</a:t>
-            </a:r>
-            <a:r>
-              <a:rPr lang="en-US" dirty="0">
-                <a:solidFill>
-                  <a:srgbClr val="F8F8F2"/>
-                </a:solidFill>
-                <a:latin typeface="Menlo"/>
-              </a:rPr>
-              <a:t>(</a:t>
-            </a:r>
-            <a:r>
-              <a:rPr lang="en-US" dirty="0">
-                <a:solidFill>
-                  <a:srgbClr val="E6DB74"/>
-                </a:solidFill>
-                <a:latin typeface="Menlo"/>
-              </a:rPr>
-              <a:t>'</a:t>
-            </a:r>
-            <a:r>
-              <a:rPr lang="en-US" dirty="0" err="1">
-                <a:solidFill>
-                  <a:srgbClr val="E6DB74"/>
-                </a:solidFill>
-                <a:latin typeface="Menlo"/>
-              </a:rPr>
-              <a:t>myModule</a:t>
-            </a:r>
-            <a:r>
-              <a:rPr lang="en-US" dirty="0">
-                <a:solidFill>
-                  <a:srgbClr val="E6DB74"/>
-                </a:solidFill>
-                <a:latin typeface="Menlo"/>
-              </a:rPr>
-              <a:t>'</a:t>
-            </a:r>
-            <a:r>
-              <a:rPr lang="en-US" dirty="0">
-                <a:solidFill>
-                  <a:srgbClr val="F8F8F2"/>
-                </a:solidFill>
-                <a:latin typeface="Menlo"/>
-              </a:rPr>
-              <a:t>, [</a:t>
-            </a:r>
-          </a:p>
-          <a:p>
-            <a:r>
-              <a:rPr lang="en-US" dirty="0">
-                <a:solidFill>
-                  <a:srgbClr val="F8F8F2"/>
-                </a:solidFill>
-                <a:latin typeface="Menlo"/>
-              </a:rPr>
-              <a:t>  </a:t>
-            </a:r>
-            <a:r>
-              <a:rPr lang="en-US" dirty="0">
-                <a:solidFill>
-                  <a:srgbClr val="E6DB74"/>
-                </a:solidFill>
-                <a:latin typeface="Menlo"/>
-              </a:rPr>
-              <a:t>'moduleDependency1'</a:t>
-            </a:r>
-            <a:r>
-              <a:rPr lang="en-US" dirty="0">
-                <a:solidFill>
-                  <a:srgbClr val="F8F8F2"/>
-                </a:solidFill>
-                <a:latin typeface="Menlo"/>
-              </a:rPr>
-              <a:t>, </a:t>
-            </a:r>
-          </a:p>
-          <a:p>
-            <a:r>
-              <a:rPr lang="en-US" dirty="0">
-                <a:solidFill>
-                  <a:srgbClr val="F8F8F2"/>
-                </a:solidFill>
-                <a:latin typeface="Menlo"/>
-              </a:rPr>
-              <a:t>  </a:t>
-            </a:r>
-            <a:r>
-              <a:rPr lang="en-US" dirty="0">
-                <a:solidFill>
-                  <a:srgbClr val="E6DB74"/>
-                </a:solidFill>
-                <a:latin typeface="Menlo"/>
-              </a:rPr>
-              <a:t>'moduleDependency2'</a:t>
-            </a:r>
-            <a:r>
-              <a:rPr lang="en-US" dirty="0">
-                <a:solidFill>
-                  <a:srgbClr val="F8F8F2"/>
-                </a:solidFill>
-                <a:latin typeface="Menlo"/>
-              </a:rPr>
-              <a:t>]);</a:t>
-            </a:r>
+              <a:t>App Controllers</a:t>
+            </a:r>
+          </a:p>
+          <a:p>
+            <a:r>
+              <a:rPr lang="en-US" dirty="0" smtClean="0"/>
+              <a:t>Add Links Controller and Search Controller</a:t>
+            </a:r>
+          </a:p>
+          <a:p>
+            <a:r>
+              <a:rPr lang="en-US" dirty="0" smtClean="0"/>
+              <a:t>Load App module on page, add controller directives</a:t>
+            </a:r>
+          </a:p>
+          <a:p>
+            <a:endParaRPr lang="en-US" dirty="0"/>
           </a:p>
         </p:txBody>
       </p:sp>
     </p:spTree>
     <p:extLst>
       <p:ext uri="{BB962C8B-B14F-4D97-AF65-F5344CB8AC3E}">
-        <p14:creationId xmlns:p14="http://schemas.microsoft.com/office/powerpoint/2010/main" val="1653711393"/>
+        <p14:creationId xmlns:p14="http://schemas.microsoft.com/office/powerpoint/2010/main" val="401042536"/>
       </p:ext>
     </p:extLst>
   </p:cSld>
@@ -9175,7 +9176,7 @@
           <a:p>
             <a:r>
               <a:rPr lang="en-US" dirty="0" smtClean="0"/>
-              <a:t>// TODO</a:t>
+              <a:t>Checkpoint</a:t>
             </a:r>
             <a:endParaRPr lang="en-US" dirty="0"/>
           </a:p>
@@ -9197,37 +9198,13 @@
           <a:lstStyle/>
           <a:p>
             <a:r>
+              <a:rPr lang="en-US" dirty="0" err="1" smtClean="0"/>
+              <a:t>git</a:t>
+            </a:r>
+            <a:r>
               <a:rPr lang="en-US" dirty="0" smtClean="0"/>
-              <a:t>Define two modules </a:t>
-            </a:r>
-          </a:p>
-          <a:p>
-            <a:pPr lvl="1"/>
-            <a:r>
-              <a:rPr lang="en-US" dirty="0" smtClean="0"/>
-              <a:t>App</a:t>
-            </a:r>
-          </a:p>
-          <a:p>
-            <a:pPr lvl="1"/>
-            <a:r>
-              <a:rPr lang="en-US" dirty="0" smtClean="0"/>
-              <a:t>App Controllers</a:t>
-            </a:r>
-          </a:p>
-          <a:p>
-            <a:r>
-              <a:rPr lang="en-US" dirty="0" smtClean="0"/>
-              <a:t>Add Links Controller and Search Controller</a:t>
-            </a:r>
-          </a:p>
-          <a:p>
-            <a:r>
-              <a:rPr lang="en-US" dirty="0" smtClean="0"/>
-              <a:t>Load App module on page, add controller directives</a:t>
-            </a:r>
-          </a:p>
-          <a:p>
+              <a:t> checkout -f day-3/step-1</a:t>
+            </a:r>
             <a:endParaRPr lang="en-US" dirty="0"/>
           </a:p>
         </p:txBody>
@@ -9235,7 +9212,7 @@
     </p:spTree>
     <p:extLst>
       <p:ext uri="{BB962C8B-B14F-4D97-AF65-F5344CB8AC3E}">
-        <p14:creationId xmlns:p14="http://schemas.microsoft.com/office/powerpoint/2010/main" val="401042536"/>
+        <p14:creationId xmlns:p14="http://schemas.microsoft.com/office/powerpoint/2010/main" val="4169541333"/>
       </p:ext>
     </p:extLst>
   </p:cSld>
@@ -9246,6 +9223,93 @@
 </file>
 
 <file path=ppt/slides/slide18.xml><?xml version="1.0" encoding="utf-8"?>
+<p:sld xmlns:a="http://schemas.openxmlformats.org/drawingml/2006/main" xmlns:r="http://schemas.openxmlformats.org/officeDocument/2006/relationships" xmlns:p="http://schemas.openxmlformats.org/presentationml/2006/main">
+  <p:cSld>
+    <p:spTree>
+      <p:nvGrpSpPr>
+        <p:cNvPr id="1" name=""/>
+        <p:cNvGrpSpPr/>
+        <p:nvPr/>
+      </p:nvGrpSpPr>
+      <p:grpSpPr>
+        <a:xfrm>
+          <a:off x="0" y="0"/>
+          <a:ext cx="0" cy="0"/>
+          <a:chOff x="0" y="0"/>
+          <a:chExt cx="0" cy="0"/>
+        </a:xfrm>
+      </p:grpSpPr>
+      <p:sp>
+        <p:nvSpPr>
+          <p:cNvPr id="4" name="Content Placeholder 3"/>
+          <p:cNvSpPr>
+            <a:spLocks noGrp="1"/>
+          </p:cNvSpPr>
+          <p:nvPr>
+            <p:ph idx="1"/>
+          </p:nvPr>
+        </p:nvSpPr>
+        <p:spPr/>
+        <p:txBody>
+          <a:bodyPr/>
+          <a:lstStyle/>
+          <a:p>
+            <a:r>
+              <a:rPr lang="en-US" dirty="0" smtClean="0"/>
+              <a:t>Modules allow for organization</a:t>
+            </a:r>
+          </a:p>
+          <a:p>
+            <a:r>
+              <a:rPr lang="en-US" dirty="0" smtClean="0"/>
+              <a:t>Still need means of sharing code across modules</a:t>
+            </a:r>
+          </a:p>
+          <a:p>
+            <a:pPr marL="0" indent="0">
+              <a:buNone/>
+            </a:pPr>
+            <a:endParaRPr lang="en-US" dirty="0"/>
+          </a:p>
+        </p:txBody>
+      </p:sp>
+      <p:sp>
+        <p:nvSpPr>
+          <p:cNvPr id="5" name="Title 4"/>
+          <p:cNvSpPr>
+            <a:spLocks noGrp="1"/>
+          </p:cNvSpPr>
+          <p:nvPr>
+            <p:ph type="title"/>
+          </p:nvPr>
+        </p:nvSpPr>
+        <p:spPr/>
+        <p:txBody>
+          <a:bodyPr/>
+          <a:lstStyle/>
+          <a:p>
+            <a:r>
+              <a:rPr lang="en-US" dirty="0" smtClean="0"/>
+              <a:t>What about reuse?</a:t>
+            </a:r>
+            <a:endParaRPr lang="en-US" dirty="0"/>
+          </a:p>
+        </p:txBody>
+      </p:sp>
+    </p:spTree>
+    <p:extLst>
+      <p:ext uri="{BB962C8B-B14F-4D97-AF65-F5344CB8AC3E}">
+        <p14:creationId xmlns:p14="http://schemas.microsoft.com/office/powerpoint/2010/main" val="1205756168"/>
+      </p:ext>
+    </p:extLst>
+  </p:cSld>
+  <p:clrMapOvr>
+    <a:masterClrMapping/>
+  </p:clrMapOvr>
+</p:sld>
+</file>
+
+<file path=ppt/slides/slide19.xml><?xml version="1.0" encoding="utf-8"?>
 <p:sld xmlns:a="http://schemas.openxmlformats.org/drawingml/2006/main" xmlns:r="http://schemas.openxmlformats.org/officeDocument/2006/relationships" xmlns:p="http://schemas.openxmlformats.org/presentationml/2006/main">
   <p:cSld>
     <p:spTree>
@@ -9279,7 +9343,7 @@
           <a:p>
             <a:r>
               <a:rPr lang="en-US" dirty="0" smtClean="0"/>
-              <a:t>Checkpoint</a:t>
+              <a:t>Dependency Injection</a:t>
             </a:r>
             <a:endParaRPr lang="en-US" dirty="0"/>
           </a:p>
@@ -9287,122 +9351,62 @@
       </p:sp>
       <p:sp>
         <p:nvSpPr>
-          <p:cNvPr id="3" name="Content Placeholder 2"/>
-          <p:cNvSpPr>
-            <a:spLocks noGrp="1"/>
-          </p:cNvSpPr>
-          <p:nvPr>
-            <p:ph idx="1"/>
-          </p:nvPr>
+          <p:cNvPr id="5" name="Rectangle 4"/>
+          <p:cNvSpPr/>
+          <p:nvPr/>
         </p:nvSpPr>
-        <p:spPr/>
+        <p:spPr>
+          <a:xfrm>
+            <a:off x="685799" y="2274838"/>
+            <a:ext cx="7770813" cy="2677656"/>
+          </a:xfrm>
+          <a:prstGeom prst="rect">
+            <a:avLst/>
+          </a:prstGeom>
+        </p:spPr>
         <p:txBody>
-          <a:bodyPr/>
+          <a:bodyPr wrap="square">
+            <a:spAutoFit/>
+          </a:bodyPr>
           <a:lstStyle/>
           <a:p>
             <a:r>
-              <a:rPr lang="en-US" dirty="0" err="1" smtClean="0"/>
-              <a:t>git</a:t>
-            </a:r>
-            <a:r>
-              <a:rPr lang="en-US" dirty="0" smtClean="0"/>
-              <a:t> checkout -f day-3/step-1</a:t>
-            </a:r>
-            <a:endParaRPr lang="en-US" dirty="0"/>
+              <a:rPr lang="en-US" sz="2400" dirty="0"/>
+              <a:t>Dependency injection is a software design pattern that implements inversion of control and allows a program design to follow the dependency inversion principle. </a:t>
+            </a:r>
+            <a:r>
+              <a:rPr lang="en-US" sz="2400" dirty="0" smtClean="0"/>
+              <a:t>The term was coined by Martin Fowler. An </a:t>
+            </a:r>
+            <a:r>
+              <a:rPr lang="en-US" sz="2400" dirty="0"/>
+              <a:t>injection is the passing of a dependency by reference or pointer to a client object, which is then made part of its state</a:t>
+            </a:r>
+            <a:r>
+              <a:rPr lang="en-US" sz="2400" dirty="0" smtClean="0"/>
+              <a:t>.</a:t>
+            </a:r>
+            <a:endParaRPr lang="en-US" sz="2400" dirty="0"/>
+          </a:p>
+          <a:p>
+            <a:r>
+              <a:rPr lang="en-US" sz="2400" dirty="0" smtClean="0"/>
+              <a:t>						</a:t>
+            </a:r>
+            <a:r>
+              <a:rPr lang="en-US" sz="2400" dirty="0" smtClean="0">
+                <a:hlinkClick r:id="rId2"/>
+              </a:rPr>
+              <a:t>Wikipedia</a:t>
+            </a:r>
+            <a:endParaRPr lang="en-US" sz="2400" dirty="0"/>
           </a:p>
         </p:txBody>
       </p:sp>
     </p:spTree>
     <p:extLst>
       <p:ext uri="{BB962C8B-B14F-4D97-AF65-F5344CB8AC3E}">
-        <p14:creationId xmlns:p14="http://schemas.microsoft.com/office/powerpoint/2010/main" val="4169541333"/>
-      </p:ext>
-    </p:extLst>
-  </p:cSld>
-  <p:clrMapOvr>
-    <a:masterClrMapping/>
-  </p:clrMapOvr>
-</p:sld>
-</file>
-
-<file path=ppt/slides/slide19.xml><?xml version="1.0" encoding="utf-8"?>
-<p:sld xmlns:a="http://schemas.openxmlformats.org/drawingml/2006/main" xmlns:r="http://schemas.openxmlformats.org/officeDocument/2006/relationships" xmlns:p="http://schemas.openxmlformats.org/presentationml/2006/main">
-  <p:cSld>
-    <p:spTree>
-      <p:nvGrpSpPr>
-        <p:cNvPr id="1" name=""/>
-        <p:cNvGrpSpPr/>
-        <p:nvPr/>
-      </p:nvGrpSpPr>
-      <p:grpSpPr>
-        <a:xfrm>
-          <a:off x="0" y="0"/>
-          <a:ext cx="0" cy="0"/>
-          <a:chOff x="0" y="0"/>
-          <a:chExt cx="0" cy="0"/>
-        </a:xfrm>
-      </p:grpSpPr>
-      <p:sp>
-        <p:nvSpPr>
-          <p:cNvPr id="4" name="Content Placeholder 3"/>
-          <p:cNvSpPr>
-            <a:spLocks noGrp="1"/>
-          </p:cNvSpPr>
-          <p:nvPr>
-            <p:ph idx="1"/>
-          </p:nvPr>
-        </p:nvSpPr>
-        <p:spPr/>
-        <p:txBody>
-          <a:bodyPr/>
-          <a:lstStyle/>
-          <a:p>
-            <a:r>
-              <a:rPr lang="en-US" dirty="0" smtClean="0"/>
-              <a:t>Modules allow for organization</a:t>
-            </a:r>
-          </a:p>
-          <a:p>
-            <a:r>
-              <a:rPr lang="en-US" dirty="0" smtClean="0"/>
-              <a:t>Still need means of sharing code across modules</a:t>
-            </a:r>
-          </a:p>
-          <a:p>
-            <a:pPr marL="0" indent="0">
-              <a:buNone/>
-            </a:pPr>
-            <a:endParaRPr lang="en-US" dirty="0"/>
-          </a:p>
-        </p:txBody>
-      </p:sp>
-      <p:sp>
-        <p:nvSpPr>
-          <p:cNvPr id="5" name="Title 4"/>
-          <p:cNvSpPr>
-            <a:spLocks noGrp="1"/>
-          </p:cNvSpPr>
-          <p:nvPr>
-            <p:ph type="title"/>
-          </p:nvPr>
-        </p:nvSpPr>
-        <p:spPr/>
-        <p:txBody>
-          <a:bodyPr/>
-          <a:lstStyle/>
-          <a:p>
-            <a:r>
-              <a:rPr lang="en-US" dirty="0" smtClean="0"/>
-              <a:t>What about reuse?</a:t>
-            </a:r>
-            <a:endParaRPr lang="en-US" dirty="0"/>
-          </a:p>
-        </p:txBody>
-      </p:sp>
-    </p:spTree>
-    <p:extLst>
-      <p:ext uri="{BB962C8B-B14F-4D97-AF65-F5344CB8AC3E}">
-        <p14:creationId xmlns:p14="http://schemas.microsoft.com/office/powerpoint/2010/main" val="1205756168"/>
+        <p14:creationId xmlns:p14="http://schemas.microsoft.com/office/powerpoint/2010/main" val="3338532093"/>
       </p:ext>
     </p:extLst>
   </p:cSld>
@@ -9559,7 +9563,7 @@
           <a:p>
             <a:r>
               <a:rPr lang="en-US" dirty="0" smtClean="0"/>
-              <a:t>Dependency Injection</a:t>
+              <a:t>Why DI?</a:t>
             </a:r>
             <a:endParaRPr lang="en-US" dirty="0"/>
           </a:p>
@@ -9567,62 +9571,56 @@
       </p:sp>
       <p:sp>
         <p:nvSpPr>
-          <p:cNvPr id="5" name="Rectangle 4"/>
-          <p:cNvSpPr/>
-          <p:nvPr/>
+          <p:cNvPr id="3" name="Content Placeholder 2"/>
+          <p:cNvSpPr>
+            <a:spLocks noGrp="1"/>
+          </p:cNvSpPr>
+          <p:nvPr>
+            <p:ph idx="1"/>
+          </p:nvPr>
         </p:nvSpPr>
-        <p:spPr>
-          <a:xfrm>
-            <a:off x="685799" y="2274838"/>
-            <a:ext cx="7770813" cy="2677656"/>
-          </a:xfrm>
-          <a:prstGeom prst="rect">
-            <a:avLst/>
-          </a:prstGeom>
-        </p:spPr>
+        <p:spPr/>
         <p:txBody>
-          <a:bodyPr wrap="square">
-            <a:spAutoFit/>
-          </a:bodyPr>
+          <a:bodyPr/>
           <a:lstStyle/>
           <a:p>
             <a:r>
-              <a:rPr lang="en-US" sz="2400" dirty="0"/>
-              <a:t>Dependency injection is a software design pattern that implements inversion of control and allows a program design to follow the dependency inversion principle. </a:t>
-            </a:r>
-            <a:r>
-              <a:rPr lang="en-US" sz="2400" dirty="0" smtClean="0"/>
-              <a:t>The term was coined by Martin Fowler. An </a:t>
-            </a:r>
-            <a:r>
-              <a:rPr lang="en-US" sz="2400" dirty="0"/>
-              <a:t>injection is the passing of a dependency by reference or pointer to a client object, which is then made part of its state</a:t>
-            </a:r>
-            <a:r>
-              <a:rPr lang="en-US" sz="2400" dirty="0" smtClean="0"/>
-              <a:t>.</a:t>
-            </a:r>
-            <a:endParaRPr lang="en-US" sz="2400" dirty="0"/>
-          </a:p>
-          <a:p>
-            <a:r>
-              <a:rPr lang="en-US" sz="2400" dirty="0" smtClean="0"/>
-              <a:t>						</a:t>
-            </a:r>
-            <a:r>
-              <a:rPr lang="en-US" sz="2400" dirty="0" smtClean="0">
-                <a:hlinkClick r:id="rId2"/>
-              </a:rPr>
-              <a:t>Wikipedia</a:t>
-            </a:r>
-            <a:endParaRPr lang="en-US" sz="2400" dirty="0"/>
+              <a:rPr lang="en-US" dirty="0"/>
+              <a:t>I</a:t>
+            </a:r>
+            <a:r>
+              <a:rPr lang="en-US" dirty="0" smtClean="0"/>
+              <a:t>solation of responsibilities</a:t>
+            </a:r>
+          </a:p>
+          <a:p>
+            <a:r>
+              <a:rPr lang="en-US" dirty="0" smtClean="0"/>
+              <a:t>Removes knowledge from client</a:t>
+            </a:r>
+          </a:p>
+          <a:p>
+            <a:r>
+              <a:rPr lang="en-US" dirty="0" smtClean="0"/>
+              <a:t>Isolates configuration</a:t>
+            </a:r>
+          </a:p>
+          <a:p>
+            <a:r>
+              <a:rPr lang="en-US" dirty="0" smtClean="0"/>
+              <a:t>Promotes reuse and testing</a:t>
+            </a:r>
+          </a:p>
+          <a:p>
+            <a:pPr lvl="1"/>
+            <a:endParaRPr lang="en-US" dirty="0"/>
           </a:p>
         </p:txBody>
       </p:sp>
     </p:spTree>
     <p:extLst>
       <p:ext uri="{BB962C8B-B14F-4D97-AF65-F5344CB8AC3E}">
-        <p14:creationId xmlns:p14="http://schemas.microsoft.com/office/powerpoint/2010/main" val="3338532093"/>
+        <p14:creationId xmlns:p14="http://schemas.microsoft.com/office/powerpoint/2010/main" val="2962966073"/>
       </p:ext>
     </p:extLst>
   </p:cSld>
@@ -9661,12 +9659,14 @@
         </p:nvSpPr>
         <p:spPr/>
         <p:txBody>
-          <a:bodyPr/>
+          <a:bodyPr>
+            <a:normAutofit fontScale="90000"/>
+          </a:bodyPr>
           <a:lstStyle/>
           <a:p>
             <a:r>
               <a:rPr lang="en-US" dirty="0" smtClean="0"/>
-              <a:t>Why DI?</a:t>
+              <a:t>How to Obtain Dependencies</a:t>
             </a:r>
             <a:endParaRPr lang="en-US" dirty="0"/>
           </a:p>
@@ -9688,34 +9688,21 @@
           <a:lstStyle/>
           <a:p>
             <a:r>
-              <a:rPr lang="en-US" dirty="0"/>
-              <a:t>I</a:t>
-            </a:r>
-            <a:r>
               <a:rPr lang="en-US" dirty="0" smtClean="0"/>
-              <a:t>solation of responsibilities</a:t>
+              <a:t>Instantiate own</a:t>
             </a:r>
           </a:p>
           <a:p>
             <a:r>
               <a:rPr lang="en-US" dirty="0" smtClean="0"/>
-              <a:t>Removes knowledge from client</a:t>
+              <a:t>Retrieve from global variable</a:t>
             </a:r>
           </a:p>
           <a:p>
             <a:r>
               <a:rPr lang="en-US" dirty="0" smtClean="0"/>
-              <a:t>Isolates configuration</a:t>
-            </a:r>
-          </a:p>
-          <a:p>
-            <a:r>
-              <a:rPr lang="en-US" dirty="0" smtClean="0"/>
-              <a:t>Promotes reuse and testing</a:t>
-            </a:r>
-          </a:p>
-          <a:p>
-            <a:pPr lvl="1"/>
+              <a:t>Pass where needed</a:t>
+            </a:r>
             <a:endParaRPr lang="en-US" dirty="0"/>
           </a:p>
         </p:txBody>
@@ -9723,7 +9710,7 @@
     </p:spTree>
     <p:extLst>
       <p:ext uri="{BB962C8B-B14F-4D97-AF65-F5344CB8AC3E}">
-        <p14:creationId xmlns:p14="http://schemas.microsoft.com/office/powerpoint/2010/main" val="2962966073"/>
+        <p14:creationId xmlns:p14="http://schemas.microsoft.com/office/powerpoint/2010/main" val="3025745369"/>
       </p:ext>
     </p:extLst>
   </p:cSld>
@@ -18953,74 +18940,6 @@
           <a:bodyPr/>
           <a:lstStyle/>
           <a:p>
-            <a:endParaRPr lang="en-US" dirty="0"/>
-          </a:p>
-        </p:txBody>
-      </p:sp>
-      <p:sp>
-        <p:nvSpPr>
-          <p:cNvPr id="3" name="Content Placeholder 2"/>
-          <p:cNvSpPr>
-            <a:spLocks noGrp="1"/>
-          </p:cNvSpPr>
-          <p:nvPr>
-            <p:ph idx="1"/>
-          </p:nvPr>
-        </p:nvSpPr>
-        <p:spPr/>
-        <p:txBody>
-          <a:bodyPr/>
-          <a:lstStyle/>
-          <a:p>
-            <a:endParaRPr lang="en-US"/>
-          </a:p>
-        </p:txBody>
-      </p:sp>
-    </p:spTree>
-    <p:extLst>
-      <p:ext uri="{BB962C8B-B14F-4D97-AF65-F5344CB8AC3E}">
-        <p14:creationId xmlns:p14="http://schemas.microsoft.com/office/powerpoint/2010/main" val="67769417"/>
-      </p:ext>
-    </p:extLst>
-  </p:cSld>
-  <p:clrMapOvr>
-    <a:masterClrMapping/>
-  </p:clrMapOvr>
-</p:sld>
-</file>
-
-<file path=ppt/slides/slide7.xml><?xml version="1.0" encoding="utf-8"?>
-<p:sld xmlns:a="http://schemas.openxmlformats.org/drawingml/2006/main" xmlns:r="http://schemas.openxmlformats.org/officeDocument/2006/relationships" xmlns:p="http://schemas.openxmlformats.org/presentationml/2006/main">
-  <p:cSld>
-    <p:spTree>
-      <p:nvGrpSpPr>
-        <p:cNvPr id="1" name=""/>
-        <p:cNvGrpSpPr/>
-        <p:nvPr/>
-      </p:nvGrpSpPr>
-      <p:grpSpPr>
-        <a:xfrm>
-          <a:off x="0" y="0"/>
-          <a:ext cx="0" cy="0"/>
-          <a:chOff x="0" y="0"/>
-          <a:chExt cx="0" cy="0"/>
-        </a:xfrm>
-      </p:grpSpPr>
-      <p:sp>
-        <p:nvSpPr>
-          <p:cNvPr id="2" name="Title 1"/>
-          <p:cNvSpPr>
-            <a:spLocks noGrp="1"/>
-          </p:cNvSpPr>
-          <p:nvPr>
-            <p:ph type="title"/>
-          </p:nvPr>
-        </p:nvSpPr>
-        <p:spPr/>
-        <p:txBody>
-          <a:bodyPr/>
-          <a:lstStyle/>
-          <a:p>
             <a:r>
               <a:rPr lang="en-US" dirty="0" smtClean="0"/>
               <a:t>Why Modules?</a:t>
@@ -19098,7 +19017,7 @@
 </p:sld>
 </file>
 
-<file path=ppt/slides/slide8.xml><?xml version="1.0" encoding="utf-8"?>
+<file path=ppt/slides/slide7.xml><?xml version="1.0" encoding="utf-8"?>
 <p:sld xmlns:a="http://schemas.openxmlformats.org/drawingml/2006/main" xmlns:r="http://schemas.openxmlformats.org/officeDocument/2006/relationships" xmlns:p="http://schemas.openxmlformats.org/presentationml/2006/main">
   <p:cSld>
     <p:spTree>
@@ -19193,7 +19112,7 @@
 </p:sld>
 </file>
 
-<file path=ppt/slides/slide9.xml><?xml version="1.0" encoding="utf-8"?>
+<file path=ppt/slides/slide8.xml><?xml version="1.0" encoding="utf-8"?>
 <p:sld xmlns:a="http://schemas.openxmlformats.org/drawingml/2006/main" xmlns:r="http://schemas.openxmlformats.org/officeDocument/2006/relationships" xmlns:p="http://schemas.openxmlformats.org/presentationml/2006/main">
   <p:cSld>
     <p:spTree>
@@ -19455,6 +19374,109 @@
   <p:clrMapOvr>
     <a:masterClrMapping/>
   </p:clrMapOvr>
+</p:sld>
+</file>
+
+<file path=ppt/slides/slide9.xml><?xml version="1.0" encoding="utf-8"?>
+<p:sld xmlns:a="http://schemas.openxmlformats.org/drawingml/2006/main" xmlns:r="http://schemas.openxmlformats.org/officeDocument/2006/relationships" xmlns:p="http://schemas.openxmlformats.org/presentationml/2006/main">
+  <p:cSld>
+    <p:spTree>
+      <p:nvGrpSpPr>
+        <p:cNvPr id="1" name=""/>
+        <p:cNvGrpSpPr/>
+        <p:nvPr/>
+      </p:nvGrpSpPr>
+      <p:grpSpPr>
+        <a:xfrm>
+          <a:off x="0" y="0"/>
+          <a:ext cx="0" cy="0"/>
+          <a:chOff x="0" y="0"/>
+          <a:chExt cx="0" cy="0"/>
+        </a:xfrm>
+      </p:grpSpPr>
+      <p:sp>
+        <p:nvSpPr>
+          <p:cNvPr id="2" name="Title 1"/>
+          <p:cNvSpPr>
+            <a:spLocks noGrp="1"/>
+          </p:cNvSpPr>
+          <p:nvPr>
+            <p:ph type="title"/>
+          </p:nvPr>
+        </p:nvSpPr>
+        <p:spPr/>
+        <p:txBody>
+          <a:bodyPr/>
+          <a:lstStyle/>
+          <a:p>
+            <a:r>
+              <a:rPr lang="en-US" dirty="0" smtClean="0"/>
+              <a:t>Modules</a:t>
+            </a:r>
+            <a:endParaRPr lang="en-US" dirty="0"/>
+          </a:p>
+        </p:txBody>
+      </p:sp>
+      <p:sp>
+        <p:nvSpPr>
+          <p:cNvPr id="3" name="Content Placeholder 2"/>
+          <p:cNvSpPr>
+            <a:spLocks noGrp="1"/>
+          </p:cNvSpPr>
+          <p:nvPr>
+            <p:ph idx="1"/>
+          </p:nvPr>
+        </p:nvSpPr>
+        <p:spPr/>
+        <p:txBody>
+          <a:bodyPr>
+            <a:normAutofit/>
+          </a:bodyPr>
+          <a:lstStyle/>
+          <a:p>
+            <a:r>
+              <a:rPr lang="en-US" dirty="0" smtClean="0"/>
+              <a:t>Containers for related application functionality</a:t>
+            </a:r>
+          </a:p>
+          <a:p>
+            <a:pPr lvl="1"/>
+            <a:r>
+              <a:rPr lang="en-US" dirty="0" smtClean="0"/>
+              <a:t>Should be able to package a module and ship independently of other components</a:t>
+            </a:r>
+          </a:p>
+          <a:p>
+            <a:r>
+              <a:rPr lang="en-US" dirty="0" smtClean="0"/>
+              <a:t>Expose functions for registering controllers, directives, services, constants, values</a:t>
+            </a:r>
+          </a:p>
+          <a:p>
+            <a:r>
+              <a:rPr lang="en-US" dirty="0" smtClean="0"/>
+              <a:t>Can require other modules as dependencies</a:t>
+            </a:r>
+          </a:p>
+        </p:txBody>
+      </p:sp>
+    </p:spTree>
+    <p:extLst>
+      <p:ext uri="{BB962C8B-B14F-4D97-AF65-F5344CB8AC3E}">
+        <p14:creationId xmlns:p14="http://schemas.microsoft.com/office/powerpoint/2010/main" val="2167449141"/>
+      </p:ext>
+    </p:extLst>
+  </p:cSld>
+  <p:clrMapOvr>
+    <a:masterClrMapping/>
+  </p:clrMapOvr>
+  <p:timing>
+    <p:tnLst>
+      <p:par>
+        <p:cTn xmlns:p14="http://schemas.microsoft.com/office/powerpoint/2010/main" id="1" dur="indefinite" restart="never" nodeType="tmRoot"/>
+      </p:par>
+    </p:tnLst>
+  </p:timing>
 </p:sld>
 </file>
 

--- a/slides/ng-bootcamp-day-3.pptx
+++ b/slides/ng-bootcamp-day-3.pptx
@@ -5,7 +5,7 @@
     <p:sldMasterId id="2147483690" r:id="rId1"/>
   </p:sldMasterIdLst>
   <p:notesMasterIdLst>
-    <p:notesMasterId r:id="rId47"/>
+    <p:notesMasterId r:id="rId48"/>
   </p:notesMasterIdLst>
   <p:sldIdLst>
     <p:sldId id="256" r:id="rId2"/>
@@ -53,6 +53,7 @@
     <p:sldId id="266" r:id="rId44"/>
     <p:sldId id="273" r:id="rId45"/>
     <p:sldId id="285" r:id="rId46"/>
+    <p:sldId id="325" r:id="rId47"/>
   </p:sldIdLst>
   <p:sldSz cx="9144000" cy="6858000" type="screen4x3"/>
   <p:notesSz cx="6858000" cy="9144000"/>
@@ -18700,6 +18701,100 @@
     <p:extLst>
       <p:ext uri="{BB962C8B-B14F-4D97-AF65-F5344CB8AC3E}">
         <p14:creationId xmlns:p14="http://schemas.microsoft.com/office/powerpoint/2010/main" val="1107998013"/>
+      </p:ext>
+    </p:extLst>
+  </p:cSld>
+  <p:clrMapOvr>
+    <a:masterClrMapping/>
+  </p:clrMapOvr>
+</p:sld>
+</file>
+
+<file path=ppt/slides/slide46.xml><?xml version="1.0" encoding="utf-8"?>
+<p:sld xmlns:a="http://schemas.openxmlformats.org/drawingml/2006/main" xmlns:r="http://schemas.openxmlformats.org/officeDocument/2006/relationships" xmlns:p="http://schemas.openxmlformats.org/presentationml/2006/main">
+  <p:cSld>
+    <p:spTree>
+      <p:nvGrpSpPr>
+        <p:cNvPr id="1" name=""/>
+        <p:cNvGrpSpPr/>
+        <p:nvPr/>
+      </p:nvGrpSpPr>
+      <p:grpSpPr>
+        <a:xfrm>
+          <a:off x="0" y="0"/>
+          <a:ext cx="0" cy="0"/>
+          <a:chOff x="0" y="0"/>
+          <a:chExt cx="0" cy="0"/>
+        </a:xfrm>
+      </p:grpSpPr>
+      <p:sp>
+        <p:nvSpPr>
+          <p:cNvPr id="2" name="Title 1"/>
+          <p:cNvSpPr>
+            <a:spLocks noGrp="1"/>
+          </p:cNvSpPr>
+          <p:nvPr>
+            <p:ph type="title"/>
+          </p:nvPr>
+        </p:nvSpPr>
+        <p:spPr/>
+        <p:txBody>
+          <a:bodyPr/>
+          <a:lstStyle/>
+          <a:p>
+            <a:r>
+              <a:rPr lang="en-US" dirty="0" smtClean="0"/>
+              <a:t>Recap</a:t>
+            </a:r>
+            <a:endParaRPr lang="en-US" dirty="0"/>
+          </a:p>
+        </p:txBody>
+      </p:sp>
+      <p:sp>
+        <p:nvSpPr>
+          <p:cNvPr id="3" name="Content Placeholder 2"/>
+          <p:cNvSpPr>
+            <a:spLocks noGrp="1"/>
+          </p:cNvSpPr>
+          <p:nvPr>
+            <p:ph idx="1"/>
+          </p:nvPr>
+        </p:nvSpPr>
+        <p:spPr/>
+        <p:txBody>
+          <a:bodyPr/>
+          <a:lstStyle/>
+          <a:p>
+            <a:r>
+              <a:rPr lang="en-US" dirty="0" smtClean="0"/>
+              <a:t>Modules</a:t>
+            </a:r>
+          </a:p>
+          <a:p>
+            <a:r>
+              <a:rPr lang="en-US" dirty="0" smtClean="0"/>
+              <a:t>DI</a:t>
+            </a:r>
+          </a:p>
+          <a:p>
+            <a:r>
+              <a:rPr lang="en-US" dirty="0" smtClean="0"/>
+              <a:t>Custom Services</a:t>
+            </a:r>
+          </a:p>
+          <a:p>
+            <a:r>
+              <a:rPr lang="en-US" dirty="0" smtClean="0"/>
+              <a:t>Testing</a:t>
+            </a:r>
+            <a:endParaRPr lang="en-US" dirty="0"/>
+          </a:p>
+        </p:txBody>
+      </p:sp>
+    </p:spTree>
+    <p:extLst>
+      <p:ext uri="{BB962C8B-B14F-4D97-AF65-F5344CB8AC3E}">
+        <p14:creationId xmlns:p14="http://schemas.microsoft.com/office/powerpoint/2010/main" val="3426099599"/>
       </p:ext>
     </p:extLst>
   </p:cSld>

--- a/slides/ng-bootcamp-day-3.pptx
+++ b/slides/ng-bootcamp-day-3.pptx
@@ -11389,7 +11389,7 @@
         <p:spPr>
           <a:xfrm>
             <a:off x="587037" y="1801869"/>
-            <a:ext cx="7954951" cy="3416320"/>
+            <a:ext cx="7954951" cy="4524316"/>
           </a:xfrm>
           <a:prstGeom prst="rect">
             <a:avLst/>
@@ -11524,8 +11524,278 @@
                 </a:solidFill>
                 <a:latin typeface="Menlo"/>
               </a:rPr>
-              <a:t>) { };</a:t>
-            </a:r>
+              <a:t>) { }</a:t>
+            </a:r>
+            <a:r>
+              <a:rPr lang="en-US" dirty="0" smtClean="0">
+                <a:solidFill>
+                  <a:srgbClr val="F8F8F2"/>
+                </a:solidFill>
+                <a:latin typeface="Menlo"/>
+              </a:rPr>
+              <a:t>;</a:t>
+            </a:r>
+          </a:p>
+          <a:p>
+            <a:r>
+              <a:rPr lang="en-US" dirty="0">
+                <a:solidFill>
+                  <a:srgbClr val="75715E"/>
+                </a:solidFill>
+                <a:latin typeface="Menlo"/>
+              </a:rPr>
+              <a:t>// Inferred, NOT safe for </a:t>
+            </a:r>
+            <a:r>
+              <a:rPr lang="en-US" dirty="0" err="1" smtClean="0">
+                <a:solidFill>
+                  <a:srgbClr val="75715E"/>
+                </a:solidFill>
+                <a:latin typeface="Menlo"/>
+              </a:rPr>
+              <a:t>minifiers</a:t>
+            </a:r>
+            <a:endParaRPr lang="en-US" dirty="0" smtClean="0">
+              <a:solidFill>
+                <a:srgbClr val="A6E22E"/>
+              </a:solidFill>
+              <a:latin typeface="Menlo"/>
+            </a:endParaRPr>
+          </a:p>
+          <a:p>
+            <a:r>
+              <a:rPr lang="en-US" dirty="0" err="1" smtClean="0">
+                <a:solidFill>
+                  <a:srgbClr val="A6E22E"/>
+                </a:solidFill>
+                <a:latin typeface="Menlo"/>
+              </a:rPr>
+              <a:t>angular</a:t>
+            </a:r>
+            <a:r>
+              <a:rPr lang="en-US" dirty="0" err="1" smtClean="0">
+                <a:solidFill>
+                  <a:srgbClr val="F8F8F2"/>
+                </a:solidFill>
+                <a:latin typeface="Menlo"/>
+              </a:rPr>
+              <a:t>.</a:t>
+            </a:r>
+            <a:r>
+              <a:rPr lang="en-US" dirty="0" err="1" smtClean="0">
+                <a:solidFill>
+                  <a:srgbClr val="A6E22E"/>
+                </a:solidFill>
+                <a:latin typeface="Menlo"/>
+              </a:rPr>
+              <a:t>module</a:t>
+            </a:r>
+            <a:r>
+              <a:rPr lang="en-US" dirty="0">
+                <a:solidFill>
+                  <a:srgbClr val="F8F8F2"/>
+                </a:solidFill>
+                <a:latin typeface="Menlo"/>
+              </a:rPr>
+              <a:t>(</a:t>
+            </a:r>
+            <a:r>
+              <a:rPr lang="en-US" dirty="0">
+                <a:solidFill>
+                  <a:srgbClr val="E6DB74"/>
+                </a:solidFill>
+                <a:latin typeface="Menlo"/>
+              </a:rPr>
+              <a:t>'</a:t>
+            </a:r>
+            <a:r>
+              <a:rPr lang="en-US" dirty="0" err="1">
+                <a:solidFill>
+                  <a:srgbClr val="E6DB74"/>
+                </a:solidFill>
+                <a:latin typeface="Menlo"/>
+              </a:rPr>
+              <a:t>myApp</a:t>
+            </a:r>
+            <a:r>
+              <a:rPr lang="en-US" dirty="0">
+                <a:solidFill>
+                  <a:srgbClr val="E6DB74"/>
+                </a:solidFill>
+                <a:latin typeface="Menlo"/>
+              </a:rPr>
+              <a:t>'</a:t>
+            </a:r>
+            <a:r>
+              <a:rPr lang="en-US" dirty="0">
+                <a:solidFill>
+                  <a:srgbClr val="F8F8F2"/>
+                </a:solidFill>
+                <a:latin typeface="Menlo"/>
+              </a:rPr>
+              <a:t>, [</a:t>
+            </a:r>
+            <a:r>
+              <a:rPr lang="en-US" dirty="0">
+                <a:solidFill>
+                  <a:srgbClr val="E6DB74"/>
+                </a:solidFill>
+                <a:latin typeface="Menlo"/>
+              </a:rPr>
+              <a:t>'services'</a:t>
+            </a:r>
+            <a:r>
+              <a:rPr lang="en-US" dirty="0">
+                <a:solidFill>
+                  <a:srgbClr val="F8F8F2"/>
+                </a:solidFill>
+                <a:latin typeface="Menlo"/>
+              </a:rPr>
+              <a:t>])</a:t>
+            </a:r>
+          </a:p>
+          <a:p>
+            <a:r>
+              <a:rPr lang="en-US" dirty="0">
+                <a:solidFill>
+                  <a:srgbClr val="F8F8F2"/>
+                </a:solidFill>
+                <a:latin typeface="Menlo"/>
+              </a:rPr>
+              <a:t>.</a:t>
+            </a:r>
+            <a:r>
+              <a:rPr lang="en-US" dirty="0">
+                <a:solidFill>
+                  <a:srgbClr val="A6E22E"/>
+                </a:solidFill>
+                <a:latin typeface="Menlo"/>
+              </a:rPr>
+              <a:t>controller</a:t>
+            </a:r>
+            <a:r>
+              <a:rPr lang="en-US" dirty="0">
+                <a:solidFill>
+                  <a:srgbClr val="F8F8F2"/>
+                </a:solidFill>
+                <a:latin typeface="Menlo"/>
+              </a:rPr>
+              <a:t>(</a:t>
+            </a:r>
+            <a:r>
+              <a:rPr lang="en-US" dirty="0">
+                <a:solidFill>
+                  <a:srgbClr val="E6DB74"/>
+                </a:solidFill>
+                <a:latin typeface="Menlo"/>
+              </a:rPr>
+              <a:t>'</a:t>
+            </a:r>
+            <a:r>
+              <a:rPr lang="en-US" dirty="0" err="1">
+                <a:solidFill>
+                  <a:srgbClr val="E6DB74"/>
+                </a:solidFill>
+                <a:latin typeface="Menlo"/>
+              </a:rPr>
+              <a:t>MyController</a:t>
+            </a:r>
+            <a:r>
+              <a:rPr lang="en-US" dirty="0">
+                <a:solidFill>
+                  <a:srgbClr val="E6DB74"/>
+                </a:solidFill>
+                <a:latin typeface="Menlo"/>
+              </a:rPr>
+              <a:t>'</a:t>
+            </a:r>
+            <a:r>
+              <a:rPr lang="en-US" dirty="0">
+                <a:solidFill>
+                  <a:srgbClr val="F8F8F2"/>
+                </a:solidFill>
+                <a:latin typeface="Menlo"/>
+              </a:rPr>
+              <a:t>, </a:t>
+            </a:r>
+            <a:r>
+              <a:rPr lang="en-US" dirty="0">
+                <a:solidFill>
+                  <a:srgbClr val="66D9EF"/>
+                </a:solidFill>
+                <a:latin typeface="Menlo"/>
+              </a:rPr>
+              <a:t>function</a:t>
+            </a:r>
+            <a:r>
+              <a:rPr lang="en-US" dirty="0">
+                <a:solidFill>
+                  <a:srgbClr val="F8F8F2"/>
+                </a:solidFill>
+                <a:latin typeface="Menlo"/>
+              </a:rPr>
+              <a:t>(</a:t>
+            </a:r>
+            <a:r>
+              <a:rPr lang="en-US" dirty="0">
+                <a:solidFill>
+                  <a:srgbClr val="A6E22E"/>
+                </a:solidFill>
+                <a:latin typeface="Menlo"/>
+              </a:rPr>
+              <a:t>$scope</a:t>
+            </a:r>
+            <a:r>
+              <a:rPr lang="en-US" dirty="0">
+                <a:solidFill>
+                  <a:srgbClr val="F8F8F2"/>
+                </a:solidFill>
+                <a:latin typeface="Menlo"/>
+              </a:rPr>
+              <a:t>, </a:t>
+            </a:r>
+            <a:r>
+              <a:rPr lang="en-US" dirty="0" err="1">
+                <a:solidFill>
+                  <a:srgbClr val="A6E22E"/>
+                </a:solidFill>
+                <a:latin typeface="Menlo"/>
+              </a:rPr>
+              <a:t>myService</a:t>
+            </a:r>
+            <a:r>
+              <a:rPr lang="en-US" dirty="0">
+                <a:solidFill>
+                  <a:srgbClr val="F8F8F2"/>
+                </a:solidFill>
+                <a:latin typeface="Menlo"/>
+              </a:rPr>
+              <a:t>) {}</a:t>
+            </a:r>
+            <a:r>
+              <a:rPr lang="en-US">
+                <a:solidFill>
+                  <a:srgbClr val="F8F8F2"/>
+                </a:solidFill>
+                <a:latin typeface="Menlo"/>
+              </a:rPr>
+              <a:t>)</a:t>
+            </a:r>
+            <a:r>
+              <a:rPr lang="en-US" smtClean="0">
+                <a:solidFill>
+                  <a:srgbClr val="F8F8F2"/>
+                </a:solidFill>
+                <a:latin typeface="Menlo"/>
+              </a:rPr>
+              <a:t>;</a:t>
+            </a:r>
+            <a:endParaRPr lang="en-US" dirty="0">
+              <a:solidFill>
+                <a:srgbClr val="F8F8F2"/>
+              </a:solidFill>
+              <a:latin typeface="Menlo"/>
+            </a:endParaRPr>
           </a:p>
           <a:p>
             <a:endParaRPr lang="en-US" dirty="0">
